--- a/slides/14-numerical-inference-pt2.pptx
+++ b/slides/14-numerical-inference-pt2.pptx
@@ -220,7 +220,7 @@
           <a:p>
             <a:fld id="{3CBB8A52-8AC5-C74C-97FB-632C448F3674}" type="datetimeFigureOut">
               <a:rPr lang="en-US" smtClean="0"/>
-              <a:t>3/26/24</a:t>
+              <a:t>4/3/24</a:t>
             </a:fld>
             <a:endParaRPr lang="en-US"/>
           </a:p>
@@ -3296,7 +3296,7 @@
             <a:fld id="{5586B75A-687E-405C-8A0B-8D00578BA2C3}" type="datetimeFigureOut">
               <a:rPr lang="en-US" smtClean="0"/>
               <a:pPr/>
-              <a:t>3/26/24</a:t>
+              <a:t>4/3/24</a:t>
             </a:fld>
             <a:endParaRPr lang="en-US" dirty="0"/>
           </a:p>
@@ -3468,7 +3468,7 @@
             <a:fld id="{5586B75A-687E-405C-8A0B-8D00578BA2C3}" type="datetimeFigureOut">
               <a:rPr lang="en-US" smtClean="0"/>
               <a:pPr/>
-              <a:t>3/26/24</a:t>
+              <a:t>4/3/24</a:t>
             </a:fld>
             <a:endParaRPr lang="en-US" dirty="0"/>
           </a:p>
@@ -3650,7 +3650,7 @@
             <a:fld id="{5586B75A-687E-405C-8A0B-8D00578BA2C3}" type="datetimeFigureOut">
               <a:rPr lang="en-US" smtClean="0"/>
               <a:pPr/>
-              <a:t>3/26/24</a:t>
+              <a:t>4/3/24</a:t>
             </a:fld>
             <a:endParaRPr lang="en-US" dirty="0"/>
           </a:p>
@@ -3822,7 +3822,7 @@
             <a:fld id="{5586B75A-687E-405C-8A0B-8D00578BA2C3}" type="datetimeFigureOut">
               <a:rPr lang="en-US" smtClean="0"/>
               <a:pPr/>
-              <a:t>3/26/24</a:t>
+              <a:t>4/3/24</a:t>
             </a:fld>
             <a:endParaRPr lang="en-US" dirty="0"/>
           </a:p>
@@ -4078,7 +4078,7 @@
             <a:fld id="{5586B75A-687E-405C-8A0B-8D00578BA2C3}" type="datetimeFigureOut">
               <a:rPr lang="en-US" smtClean="0"/>
               <a:pPr/>
-              <a:t>3/26/24</a:t>
+              <a:t>4/3/24</a:t>
             </a:fld>
             <a:endParaRPr lang="en-US" dirty="0"/>
           </a:p>
@@ -4368,7 +4368,7 @@
             <a:fld id="{5586B75A-687E-405C-8A0B-8D00578BA2C3}" type="datetimeFigureOut">
               <a:rPr lang="en-US" smtClean="0"/>
               <a:pPr/>
-              <a:t>3/26/24</a:t>
+              <a:t>4/3/24</a:t>
             </a:fld>
             <a:endParaRPr lang="en-US" dirty="0"/>
           </a:p>
@@ -4812,7 +4812,7 @@
             <a:fld id="{5586B75A-687E-405C-8A0B-8D00578BA2C3}" type="datetimeFigureOut">
               <a:rPr lang="en-US" smtClean="0"/>
               <a:pPr/>
-              <a:t>3/26/24</a:t>
+              <a:t>4/3/24</a:t>
             </a:fld>
             <a:endParaRPr lang="en-US" dirty="0"/>
           </a:p>
@@ -4932,7 +4932,7 @@
             <a:fld id="{5586B75A-687E-405C-8A0B-8D00578BA2C3}" type="datetimeFigureOut">
               <a:rPr lang="en-US" smtClean="0"/>
               <a:pPr/>
-              <a:t>3/26/24</a:t>
+              <a:t>4/3/24</a:t>
             </a:fld>
             <a:endParaRPr lang="en-US" dirty="0"/>
           </a:p>
@@ -5029,7 +5029,7 @@
             <a:fld id="{5586B75A-687E-405C-8A0B-8D00578BA2C3}" type="datetimeFigureOut">
               <a:rPr lang="en-US" smtClean="0"/>
               <a:pPr/>
-              <a:t>3/26/24</a:t>
+              <a:t>4/3/24</a:t>
             </a:fld>
             <a:endParaRPr lang="en-US" dirty="0"/>
           </a:p>
@@ -5319,7 +5319,7 @@
             <a:fld id="{5586B75A-687E-405C-8A0B-8D00578BA2C3}" type="datetimeFigureOut">
               <a:rPr lang="en-US" smtClean="0"/>
               <a:pPr/>
-              <a:t>3/26/24</a:t>
+              <a:t>4/3/24</a:t>
             </a:fld>
             <a:endParaRPr lang="en-US" dirty="0"/>
           </a:p>
@@ -5594,7 +5594,7 @@
             <a:fld id="{5586B75A-687E-405C-8A0B-8D00578BA2C3}" type="datetimeFigureOut">
               <a:rPr lang="en-US" smtClean="0"/>
               <a:pPr/>
-              <a:t>3/26/24</a:t>
+              <a:t>4/3/24</a:t>
             </a:fld>
             <a:endParaRPr lang="en-US" dirty="0"/>
           </a:p>
@@ -5893,7 +5893,7 @@
             <a:fld id="{5586B75A-687E-405C-8A0B-8D00578BA2C3}" type="datetimeFigureOut">
               <a:rPr lang="en-US" smtClean="0"/>
               <a:pPr/>
-              <a:t>3/26/24</a:t>
+              <a:t>4/3/24</a:t>
             </a:fld>
             <a:endParaRPr lang="en-US" dirty="0"/>
           </a:p>
@@ -7872,8 +7872,8 @@
           </a:p>
         </p:txBody>
       </p:sp>
-      <mc:AlternateContent xmlns:mc="http://schemas.openxmlformats.org/markup-compatibility/2006">
-        <mc:Choice xmlns:a14="http://schemas.microsoft.com/office/drawing/2010/main" Requires="a14">
+      <mc:AlternateContent xmlns:mc="http://schemas.openxmlformats.org/markup-compatibility/2006" xmlns:a14="http://schemas.microsoft.com/office/drawing/2010/main">
+        <mc:Choice Requires="a14">
           <p:sp>
             <p:nvSpPr>
               <p:cNvPr id="2" name="TextBox 1">
@@ -7911,7 +7911,7 @@
                     <m:sSub>
                       <m:sSubPr>
                         <m:ctrlPr>
-                          <a:rPr lang="en-US" sz="2400" b="0" i="0" smtClean="0">
+                          <a:rPr lang="en-US" sz="2400" b="0" i="1" smtClean="0">
                             <a:latin typeface="Cambria Math" panose="02040503050406030204" pitchFamily="18" charset="0"/>
                           </a:rPr>
                         </m:ctrlPr>
@@ -8023,7 +8023,7 @@
             </p:txBody>
           </p:sp>
         </mc:Choice>
-        <mc:Fallback>
+        <mc:Fallback xmlns="">
           <p:sp>
             <p:nvSpPr>
               <p:cNvPr id="2" name="TextBox 1">
@@ -8135,8 +8135,8 @@
           </a:p>
         </p:txBody>
       </p:sp>
-      <mc:AlternateContent xmlns:mc="http://schemas.openxmlformats.org/markup-compatibility/2006">
-        <mc:Choice xmlns:a14="http://schemas.microsoft.com/office/drawing/2010/main" Requires="a14">
+      <mc:AlternateContent xmlns:mc="http://schemas.openxmlformats.org/markup-compatibility/2006" xmlns:a14="http://schemas.microsoft.com/office/drawing/2010/main">
+        <mc:Choice Requires="a14">
           <p:sp>
             <p:nvSpPr>
               <p:cNvPr id="2" name="TextBox 1">
@@ -8525,7 +8525,7 @@
             </p:txBody>
           </p:sp>
         </mc:Choice>
-        <mc:Fallback>
+        <mc:Fallback xmlns="">
           <p:sp>
             <p:nvSpPr>
               <p:cNvPr id="2" name="TextBox 1">
@@ -8637,8 +8637,8 @@
           </a:p>
         </p:txBody>
       </p:sp>
-      <mc:AlternateContent xmlns:mc="http://schemas.openxmlformats.org/markup-compatibility/2006">
-        <mc:Choice xmlns:a14="http://schemas.microsoft.com/office/drawing/2010/main" Requires="a14">
+      <mc:AlternateContent xmlns:mc="http://schemas.openxmlformats.org/markup-compatibility/2006" xmlns:a14="http://schemas.microsoft.com/office/drawing/2010/main">
+        <mc:Choice Requires="a14">
           <p:sp>
             <p:nvSpPr>
               <p:cNvPr id="2" name="TextBox 1">
@@ -9144,7 +9144,7 @@
             </p:txBody>
           </p:sp>
         </mc:Choice>
-        <mc:Fallback>
+        <mc:Fallback xmlns="">
           <p:sp>
             <p:nvSpPr>
               <p:cNvPr id="2" name="TextBox 1">
@@ -9256,8 +9256,8 @@
           </a:p>
         </p:txBody>
       </p:sp>
-      <mc:AlternateContent xmlns:mc="http://schemas.openxmlformats.org/markup-compatibility/2006">
-        <mc:Choice xmlns:a14="http://schemas.microsoft.com/office/drawing/2010/main" Requires="a14">
+      <mc:AlternateContent xmlns:mc="http://schemas.openxmlformats.org/markup-compatibility/2006" xmlns:a14="http://schemas.microsoft.com/office/drawing/2010/main">
+        <mc:Choice Requires="a14">
           <p:sp>
             <p:nvSpPr>
               <p:cNvPr id="2" name="TextBox 1">
@@ -9590,7 +9590,7 @@
             </p:txBody>
           </p:sp>
         </mc:Choice>
-        <mc:Fallback>
+        <mc:Fallback xmlns="">
           <p:sp>
             <p:nvSpPr>
               <p:cNvPr id="2" name="TextBox 1">
@@ -9702,8 +9702,8 @@
           </a:p>
         </p:txBody>
       </p:sp>
-      <mc:AlternateContent xmlns:mc="http://schemas.openxmlformats.org/markup-compatibility/2006">
-        <mc:Choice xmlns:a14="http://schemas.microsoft.com/office/drawing/2010/main" Requires="a14">
+      <mc:AlternateContent xmlns:mc="http://schemas.openxmlformats.org/markup-compatibility/2006" xmlns:a14="http://schemas.microsoft.com/office/drawing/2010/main">
+        <mc:Choice Requires="a14">
           <p:sp>
             <p:nvSpPr>
               <p:cNvPr id="2" name="TextBox 1">
@@ -10238,7 +10238,7 @@
             </p:txBody>
           </p:sp>
         </mc:Choice>
-        <mc:Fallback>
+        <mc:Fallback xmlns="">
           <p:sp>
             <p:nvSpPr>
               <p:cNvPr id="2" name="TextBox 1">
@@ -10350,8 +10350,8 @@
           </a:p>
         </p:txBody>
       </p:sp>
-      <mc:AlternateContent xmlns:mc="http://schemas.openxmlformats.org/markup-compatibility/2006">
-        <mc:Choice xmlns:a14="http://schemas.microsoft.com/office/drawing/2010/main" Requires="a14">
+      <mc:AlternateContent xmlns:mc="http://schemas.openxmlformats.org/markup-compatibility/2006" xmlns:a14="http://schemas.microsoft.com/office/drawing/2010/main">
+        <mc:Choice Requires="a14">
           <p:sp>
             <p:nvSpPr>
               <p:cNvPr id="2" name="TextBox 1">
@@ -10951,7 +10951,7 @@
             </p:txBody>
           </p:sp>
         </mc:Choice>
-        <mc:Fallback>
+        <mc:Fallback xmlns="">
           <p:sp>
             <p:nvSpPr>
               <p:cNvPr id="2" name="TextBox 1">
@@ -11158,8 +11158,8 @@
           </a:p>
         </p:txBody>
       </p:sp>
-      <mc:AlternateContent xmlns:mc="http://schemas.openxmlformats.org/markup-compatibility/2006">
-        <mc:Choice xmlns:a14="http://schemas.microsoft.com/office/drawing/2010/main" Requires="a14">
+      <mc:AlternateContent xmlns:mc="http://schemas.openxmlformats.org/markup-compatibility/2006" xmlns:a14="http://schemas.microsoft.com/office/drawing/2010/main">
+        <mc:Choice Requires="a14">
           <p:sp>
             <p:nvSpPr>
               <p:cNvPr id="2" name="TextBox 1">
@@ -11756,7 +11756,7 @@
             </p:txBody>
           </p:sp>
         </mc:Choice>
-        <mc:Fallback>
+        <mc:Fallback xmlns="">
           <p:sp>
             <p:nvSpPr>
               <p:cNvPr id="2" name="TextBox 1">
@@ -11845,7 +11845,27 @@
                 <a:pPr algn="ctr"/>
                 <a:r>
                   <a:rPr lang="en-US" sz="2400" dirty="0"/>
-                  <a:t>You suspect that on average WSU students work more during the summer than during the semester. You perform an experiment to statistically test this suspicion. You sample 100 students and calculate the difference in average number of hours worked per week between the summer and semester to be 30. Calculate a 95% CI for </a:t>
+                  <a:t>You suspect that on average WSU students work more during the summer than during the semester. You perform an experiment to statistically test this suspicion. You sample 100 students and calculate the difference in average number of hours worked per week between the summer and semester to be 30, with </a:t>
+                </a:r>
+                <a14:m>
+                  <m:oMath xmlns:m="http://schemas.openxmlformats.org/officeDocument/2006/math">
+                    <m:r>
+                      <a:rPr lang="en-US" sz="2400" b="0" i="1" smtClean="0">
+                        <a:latin typeface="Cambria Math" panose="02040503050406030204" pitchFamily="18" charset="0"/>
+                      </a:rPr>
+                      <m:t>𝑠</m:t>
+                    </m:r>
+                    <m:r>
+                      <a:rPr lang="en-US" sz="2400" b="0" i="1" smtClean="0">
+                        <a:latin typeface="Cambria Math" panose="02040503050406030204" pitchFamily="18" charset="0"/>
+                      </a:rPr>
+                      <m:t>=1.5</m:t>
+                    </m:r>
+                  </m:oMath>
+                </a14:m>
+                <a:r>
+                  <a:rPr lang="en-US" sz="2400" dirty="0"/>
+                  <a:t>. Calculate a 95% CI for </a:t>
                 </a:r>
                 <a14:m>
                   <m:oMath xmlns:m="http://schemas.openxmlformats.org/officeDocument/2006/math">
@@ -12041,8 +12061,8 @@
           </a:p>
         </p:txBody>
       </p:sp>
-      <mc:AlternateContent xmlns:mc="http://schemas.openxmlformats.org/markup-compatibility/2006">
-        <mc:Choice xmlns:a14="http://schemas.microsoft.com/office/drawing/2010/main" Requires="a14">
+      <mc:AlternateContent xmlns:mc="http://schemas.openxmlformats.org/markup-compatibility/2006" xmlns:a14="http://schemas.microsoft.com/office/drawing/2010/main">
+        <mc:Choice Requires="a14">
           <p:sp>
             <p:nvSpPr>
               <p:cNvPr id="2" name="TextBox 1">
@@ -12089,7 +12109,7 @@
                     <m:sSub>
                       <m:sSubPr>
                         <m:ctrlPr>
-                          <a:rPr lang="en-US" sz="2400" b="0" i="0" smtClean="0">
+                          <a:rPr lang="en-US" sz="2400" b="0" i="1" smtClean="0">
                             <a:latin typeface="Cambria Math" panose="02040503050406030204" pitchFamily="18" charset="0"/>
                           </a:rPr>
                         </m:ctrlPr>
@@ -12326,7 +12346,7 @@
             </p:txBody>
           </p:sp>
         </mc:Choice>
-        <mc:Fallback>
+        <mc:Fallback xmlns="">
           <p:sp>
             <p:nvSpPr>
               <p:cNvPr id="2" name="TextBox 1">
@@ -12438,8 +12458,8 @@
           </a:p>
         </p:txBody>
       </p:sp>
-      <mc:AlternateContent xmlns:mc="http://schemas.openxmlformats.org/markup-compatibility/2006">
-        <mc:Choice xmlns:a14="http://schemas.microsoft.com/office/drawing/2010/main" Requires="a14">
+      <mc:AlternateContent xmlns:mc="http://schemas.openxmlformats.org/markup-compatibility/2006" xmlns:a14="http://schemas.microsoft.com/office/drawing/2010/main">
+        <mc:Choice Requires="a14">
           <p:sp>
             <p:nvSpPr>
               <p:cNvPr id="2" name="TextBox 1">
@@ -12904,7 +12924,7 @@
             </p:txBody>
           </p:sp>
         </mc:Choice>
-        <mc:Fallback>
+        <mc:Fallback xmlns="">
           <p:sp>
             <p:nvSpPr>
               <p:cNvPr id="2" name="TextBox 1">
@@ -13016,8 +13036,8 @@
           </a:p>
         </p:txBody>
       </p:sp>
-      <mc:AlternateContent xmlns:mc="http://schemas.openxmlformats.org/markup-compatibility/2006">
-        <mc:Choice xmlns:a14="http://schemas.microsoft.com/office/drawing/2010/main" Requires="a14">
+      <mc:AlternateContent xmlns:mc="http://schemas.openxmlformats.org/markup-compatibility/2006" xmlns:a14="http://schemas.microsoft.com/office/drawing/2010/main">
+        <mc:Choice Requires="a14">
           <p:sp>
             <p:nvSpPr>
               <p:cNvPr id="2" name="TextBox 1">
@@ -13482,7 +13502,7 @@
             </p:txBody>
           </p:sp>
         </mc:Choice>
-        <mc:Fallback>
+        <mc:Fallback xmlns="">
           <p:sp>
             <p:nvSpPr>
               <p:cNvPr id="2" name="TextBox 1">
@@ -13543,8 +13563,8 @@
             </p:nvSpPr>
             <p:spPr>
               <a:xfrm>
-                <a:off x="-120770" y="5088409"/>
-                <a:ext cx="12433539" cy="1723911"/>
+                <a:off x="0" y="5009399"/>
+                <a:ext cx="12312769" cy="1802921"/>
               </a:xfrm>
               <a:prstGeom prst="roundRect">
                 <a:avLst/>
@@ -13571,7 +13591,34 @@
                 <a:pPr algn="ctr"/>
                 <a:r>
                   <a:rPr lang="en-US" sz="2400" dirty="0"/>
-                  <a:t>You suspect that on average WSU students work more during the summer than during the semester. You perform an experiment to statistically test this suspicion. You sample 100 students and calculate the difference in average number of hours worked per week between the summer and semester to be 30. Perform a hypothesis test for </a:t>
+                  <a:t>You suspect that on average WSU students work more during the summer than during the semester. You perform an experiment to statistically test this suspicion. You sample 100 students and calculate the difference in average number of hours worked per week between the summer and semester to be 30 , with </a:t>
+                </a:r>
+                <a14:m>
+                  <m:oMath xmlns:m="http://schemas.openxmlformats.org/officeDocument/2006/math">
+                    <m:r>
+                      <a:rPr lang="en-US" sz="2400" i="1">
+                        <a:latin typeface="Cambria Math" panose="02040503050406030204" pitchFamily="18" charset="0"/>
+                      </a:rPr>
+                      <m:t>𝑠</m:t>
+                    </m:r>
+                    <m:r>
+                      <a:rPr lang="en-US" sz="2400" i="1">
+                        <a:latin typeface="Cambria Math" panose="02040503050406030204" pitchFamily="18" charset="0"/>
+                      </a:rPr>
+                      <m:t>=1.5</m:t>
+                    </m:r>
+                  </m:oMath>
+                </a14:m>
+                <a:r>
+                  <a:rPr lang="en-US" sz="2400" dirty="0"/>
+                  <a:t>. </a:t>
+                </a:r>
+              </a:p>
+              <a:p>
+                <a:pPr algn="ctr"/>
+                <a:r>
+                  <a:rPr lang="en-US" sz="2400" dirty="0"/>
+                  <a:t>Perform a hypothesis test for </a:t>
                 </a:r>
                 <a14:m>
                   <m:oMath xmlns:m="http://schemas.openxmlformats.org/officeDocument/2006/math">
@@ -13635,19 +13682,7 @@
                       <a:rPr lang="en-US" sz="2400" b="0" i="1" smtClean="0">
                         <a:latin typeface="Cambria Math" panose="02040503050406030204" pitchFamily="18" charset="0"/>
                       </a:rPr>
-                      <m:t>=</m:t>
-                    </m:r>
-                    <m:r>
-                      <a:rPr lang="en-US" sz="2400" b="0" i="1" smtClean="0">
-                        <a:latin typeface="Cambria Math" panose="02040503050406030204" pitchFamily="18" charset="0"/>
-                      </a:rPr>
-                      <m:t>0</m:t>
-                    </m:r>
-                    <m:r>
-                      <a:rPr lang="en-US" sz="2400" b="0" i="1" smtClean="0">
-                        <a:latin typeface="Cambria Math" panose="02040503050406030204" pitchFamily="18" charset="0"/>
-                      </a:rPr>
-                      <m:t>, </m:t>
+                      <m:t>=0, </m:t>
                     </m:r>
                     <m:sSub>
                       <m:sSubPr>
@@ -13709,13 +13744,7 @@
                       <a:rPr lang="en-US" sz="2400" b="0" i="1" smtClean="0">
                         <a:latin typeface="Cambria Math" panose="02040503050406030204" pitchFamily="18" charset="0"/>
                       </a:rPr>
-                      <m:t>≠</m:t>
-                    </m:r>
-                    <m:r>
-                      <a:rPr lang="en-US" sz="2400" b="0" i="1" smtClean="0">
-                        <a:latin typeface="Cambria Math" panose="02040503050406030204" pitchFamily="18" charset="0"/>
-                      </a:rPr>
-                      <m:t>0</m:t>
+                      <m:t>≠0</m:t>
                     </m:r>
                   </m:oMath>
                 </a14:m>
@@ -13764,8 +13793,8 @@
             </p:nvSpPr>
             <p:spPr>
               <a:xfrm>
-                <a:off x="-120770" y="5088409"/>
-                <a:ext cx="12433539" cy="1723911"/>
+                <a:off x="0" y="5009399"/>
+                <a:ext cx="12312769" cy="1802921"/>
               </a:xfrm>
               <a:prstGeom prst="roundRect">
                 <a:avLst/>
@@ -13854,63 +13883,62 @@
           <a:p>
             <a:r>
               <a:rPr lang="en-US" dirty="0"/>
-              <a:t>Review</a:t>
+              <a:t>In-Class Activity 3</a:t>
             </a:r>
           </a:p>
         </p:txBody>
       </p:sp>
       <p:sp>
         <p:nvSpPr>
-          <p:cNvPr id="4" name="Rounded Rectangle 3">
+          <p:cNvPr id="2" name="TextBox 1">
             <a:extLst>
               <a:ext uri="{FF2B5EF4-FFF2-40B4-BE49-F238E27FC236}">
-                <a16:creationId xmlns:a16="http://schemas.microsoft.com/office/drawing/2014/main" id="{3ED32F8C-99CD-F7AC-6341-A389FEA304A8}"/>
+                <a16:creationId xmlns:a16="http://schemas.microsoft.com/office/drawing/2014/main" id="{6EBB5214-BDD9-0660-EB04-9701920B6A1B}"/>
               </a:ext>
             </a:extLst>
           </p:cNvPr>
-          <p:cNvSpPr/>
+          <p:cNvSpPr txBox="1"/>
           <p:nvPr/>
         </p:nvSpPr>
         <p:spPr>
           <a:xfrm>
-            <a:off x="3782867" y="1987616"/>
-            <a:ext cx="7258944" cy="2360097"/>
+            <a:off x="3481772" y="893004"/>
+            <a:ext cx="8457309" cy="2677656"/>
           </a:xfrm>
-          <a:prstGeom prst="roundRect">
+          <a:prstGeom prst="rect">
             <a:avLst/>
           </a:prstGeom>
+          <a:noFill/>
         </p:spPr>
-        <p:style>
-          <a:lnRef idx="0">
-            <a:schemeClr val="accent5"/>
-          </a:lnRef>
-          <a:fillRef idx="3">
-            <a:schemeClr val="accent5"/>
-          </a:fillRef>
-          <a:effectRef idx="3">
-            <a:schemeClr val="accent5"/>
-          </a:effectRef>
-          <a:fontRef idx="minor">
-            <a:schemeClr val="lt1"/>
-          </a:fontRef>
-        </p:style>
         <p:txBody>
-          <a:bodyPr rtlCol="0" anchor="ctr"/>
+          <a:bodyPr wrap="square" rtlCol="0">
+            <a:spAutoFit/>
+          </a:bodyPr>
           <a:lstStyle/>
           <a:p>
-            <a:pPr algn="ctr"/>
             <a:r>
               <a:rPr lang="en-US" sz="2400" dirty="0"/>
-              <a:t>Work with a small group on the inference-</a:t>
+              <a:t>Start on the next in class activity (ic03)</a:t>
             </a:r>
-            <a:r>
-              <a:rPr lang="en-US" sz="2400" dirty="0" err="1"/>
-              <a:t>review.pdf</a:t>
-            </a:r>
+          </a:p>
+          <a:p>
+            <a:endParaRPr lang="en-US" sz="2400" dirty="0"/>
+          </a:p>
+          <a:p>
             <a:r>
               <a:rPr lang="en-US" sz="2400" dirty="0"/>
-              <a:t> problem set under Demos on the course website.</a:t>
+              <a:t>Instructions are on the course website. You will have the remainder of class today and all of next class to complete the activity. </a:t>
             </a:r>
+          </a:p>
+          <a:p>
+            <a:endParaRPr lang="en-US" sz="2400" dirty="0"/>
+          </a:p>
+          <a:p>
+            <a:r>
+              <a:rPr lang="en-US" sz="2400"/>
+              <a:t>Ask questions as they come up! </a:t>
+            </a:r>
+            <a:endParaRPr lang="en-US" sz="2400" dirty="0"/>
           </a:p>
         </p:txBody>
       </p:sp>
@@ -15840,8 +15868,8 @@
             </p:nvSpPr>
             <p:spPr>
               <a:xfrm>
-                <a:off x="252919" y="4552122"/>
-                <a:ext cx="11939081" cy="2181187"/>
+                <a:off x="1" y="4552122"/>
+                <a:ext cx="12192000" cy="2181187"/>
               </a:xfrm>
               <a:prstGeom prst="roundRect">
                 <a:avLst/>
@@ -15868,7 +15896,47 @@
                 <a:pPr algn="ctr"/>
                 <a:r>
                   <a:rPr lang="en-US" sz="2400" dirty="0"/>
-                  <a:t>You suspect WSU and SC students have different numbers of siblings. You perform an experiment to statistically test this suspicion. You sample 100 WSU students and find on average they have 3 siblings. You sample 110 SC students and find on average they have 1 sibling.  Calculate a 95% CI for </a:t>
+                  <a:t>You suspect WSU and SC students have different numbers of siblings. You perform an experiment to statistically test this suspicion. You sample 100 WSU students and find on average they have 3 siblings with </a:t>
+                </a:r>
+                <a14:m>
+                  <m:oMath xmlns:m="http://schemas.openxmlformats.org/officeDocument/2006/math">
+                    <m:r>
+                      <a:rPr lang="en-US" sz="2400" b="0" i="1" smtClean="0">
+                        <a:latin typeface="Cambria Math" panose="02040503050406030204" pitchFamily="18" charset="0"/>
+                      </a:rPr>
+                      <m:t>𝑠</m:t>
+                    </m:r>
+                    <m:r>
+                      <a:rPr lang="en-US" sz="2400" b="0" i="1" smtClean="0">
+                        <a:latin typeface="Cambria Math" panose="02040503050406030204" pitchFamily="18" charset="0"/>
+                      </a:rPr>
+                      <m:t>=0.5</m:t>
+                    </m:r>
+                  </m:oMath>
+                </a14:m>
+                <a:r>
+                  <a:rPr lang="en-US" sz="2400" dirty="0"/>
+                  <a:t>. You sample 110 SC students and find on average they have 1 sibling with </a:t>
+                </a:r>
+                <a14:m>
+                  <m:oMath xmlns:m="http://schemas.openxmlformats.org/officeDocument/2006/math">
+                    <m:r>
+                      <a:rPr lang="en-US" sz="2400" b="0" i="1" smtClean="0">
+                        <a:latin typeface="Cambria Math" panose="02040503050406030204" pitchFamily="18" charset="0"/>
+                      </a:rPr>
+                      <m:t>𝑠</m:t>
+                    </m:r>
+                    <m:r>
+                      <a:rPr lang="en-US" sz="2400" b="0" i="1" smtClean="0">
+                        <a:latin typeface="Cambria Math" panose="02040503050406030204" pitchFamily="18" charset="0"/>
+                      </a:rPr>
+                      <m:t>=0.75</m:t>
+                    </m:r>
+                  </m:oMath>
+                </a14:m>
+                <a:r>
+                  <a:rPr lang="en-US" sz="2400" dirty="0"/>
+                  <a:t>.  Calculate a 95% CI for </a:t>
                 </a:r>
                 <a14:m>
                   <m:oMath xmlns:m="http://schemas.openxmlformats.org/officeDocument/2006/math">
@@ -16048,8 +16116,8 @@
             </p:nvSpPr>
             <p:spPr>
               <a:xfrm>
-                <a:off x="252919" y="4552122"/>
-                <a:ext cx="11939081" cy="2181187"/>
+                <a:off x="1" y="4552122"/>
+                <a:ext cx="12192000" cy="2181187"/>
               </a:xfrm>
               <a:prstGeom prst="roundRect">
                 <a:avLst/>
@@ -17694,7 +17762,54 @@
                 <a:pPr algn="ctr"/>
                 <a:r>
                   <a:rPr lang="en-US" sz="2400" dirty="0"/>
-                  <a:t>You suspect WSU and SC students have different numbers of siblings. You perform an experiment to statistically test this suspicion. You sample 100 WSU students and find on average they have 3 siblings. You sample 110 SC students and find on average they have 1 sibling. You perform a hypothesis test with </a:t>
+                  <a:t>You suspect WSU and SC students have different numbers of siblings. You perform an experiment to statistically test this suspicion. You sample 100 WSU students and find on average they have 3 siblings with </a:t>
+                </a:r>
+                <a14:m>
+                  <m:oMath xmlns:m="http://schemas.openxmlformats.org/officeDocument/2006/math">
+                    <m:r>
+                      <a:rPr lang="en-US" sz="2400" i="1">
+                        <a:latin typeface="Cambria Math" panose="02040503050406030204" pitchFamily="18" charset="0"/>
+                      </a:rPr>
+                      <m:t>𝑠</m:t>
+                    </m:r>
+                    <m:r>
+                      <a:rPr lang="en-US" sz="2400" i="1">
+                        <a:latin typeface="Cambria Math" panose="02040503050406030204" pitchFamily="18" charset="0"/>
+                      </a:rPr>
+                      <m:t>=0.5</m:t>
+                    </m:r>
+                  </m:oMath>
+                </a14:m>
+                <a:r>
+                  <a:rPr lang="en-US" sz="2400" dirty="0"/>
+                  <a:t>. You sample 110 SC students and find on average they have 1 sibling with </a:t>
+                </a:r>
+                <a14:m>
+                  <m:oMath xmlns:m="http://schemas.openxmlformats.org/officeDocument/2006/math">
+                    <m:r>
+                      <a:rPr lang="en-US" sz="2400" i="1">
+                        <a:latin typeface="Cambria Math" panose="02040503050406030204" pitchFamily="18" charset="0"/>
+                      </a:rPr>
+                      <m:t>𝑠</m:t>
+                    </m:r>
+                    <m:r>
+                      <a:rPr lang="en-US" sz="2400" i="1">
+                        <a:latin typeface="Cambria Math" panose="02040503050406030204" pitchFamily="18" charset="0"/>
+                      </a:rPr>
+                      <m:t>=0.75</m:t>
+                    </m:r>
+                  </m:oMath>
+                </a14:m>
+                <a:r>
+                  <a:rPr lang="en-US" sz="2400" dirty="0"/>
+                  <a:t>. </a:t>
+                </a:r>
+              </a:p>
+              <a:p>
+                <a:pPr algn="ctr"/>
+                <a:r>
+                  <a:rPr lang="en-US" sz="2400" dirty="0"/>
+                  <a:t>You perform a hypothesis test with </a:t>
                 </a:r>
                 <a14:m>
                   <m:oMath xmlns:m="http://schemas.openxmlformats.org/officeDocument/2006/math">

--- a/slides/14-numerical-inference-pt2.pptx
+++ b/slides/14-numerical-inference-pt2.pptx
@@ -5,33 +5,34 @@
     <p:sldMasterId id="2147483852" r:id="rId1"/>
   </p:sldMasterIdLst>
   <p:notesMasterIdLst>
-    <p:notesMasterId r:id="rId26"/>
+    <p:notesMasterId r:id="rId27"/>
   </p:notesMasterIdLst>
   <p:sldIdLst>
     <p:sldId id="256" r:id="rId2"/>
     <p:sldId id="257" r:id="rId3"/>
-    <p:sldId id="383" r:id="rId4"/>
-    <p:sldId id="423" r:id="rId5"/>
-    <p:sldId id="389" r:id="rId6"/>
-    <p:sldId id="390" r:id="rId7"/>
-    <p:sldId id="414" r:id="rId8"/>
-    <p:sldId id="425" r:id="rId9"/>
-    <p:sldId id="426" r:id="rId10"/>
-    <p:sldId id="427" r:id="rId11"/>
-    <p:sldId id="428" r:id="rId12"/>
-    <p:sldId id="429" r:id="rId13"/>
-    <p:sldId id="430" r:id="rId14"/>
-    <p:sldId id="417" r:id="rId15"/>
-    <p:sldId id="387" r:id="rId16"/>
-    <p:sldId id="419" r:id="rId17"/>
-    <p:sldId id="370" r:id="rId18"/>
-    <p:sldId id="375" r:id="rId19"/>
-    <p:sldId id="374" r:id="rId20"/>
-    <p:sldId id="377" r:id="rId21"/>
-    <p:sldId id="378" r:id="rId22"/>
-    <p:sldId id="379" r:id="rId23"/>
-    <p:sldId id="422" r:id="rId24"/>
-    <p:sldId id="431" r:id="rId25"/>
+    <p:sldId id="432" r:id="rId4"/>
+    <p:sldId id="383" r:id="rId5"/>
+    <p:sldId id="423" r:id="rId6"/>
+    <p:sldId id="389" r:id="rId7"/>
+    <p:sldId id="390" r:id="rId8"/>
+    <p:sldId id="414" r:id="rId9"/>
+    <p:sldId id="425" r:id="rId10"/>
+    <p:sldId id="426" r:id="rId11"/>
+    <p:sldId id="427" r:id="rId12"/>
+    <p:sldId id="428" r:id="rId13"/>
+    <p:sldId id="429" r:id="rId14"/>
+    <p:sldId id="430" r:id="rId15"/>
+    <p:sldId id="417" r:id="rId16"/>
+    <p:sldId id="387" r:id="rId17"/>
+    <p:sldId id="419" r:id="rId18"/>
+    <p:sldId id="370" r:id="rId19"/>
+    <p:sldId id="375" r:id="rId20"/>
+    <p:sldId id="374" r:id="rId21"/>
+    <p:sldId id="377" r:id="rId22"/>
+    <p:sldId id="378" r:id="rId23"/>
+    <p:sldId id="379" r:id="rId24"/>
+    <p:sldId id="422" r:id="rId25"/>
+    <p:sldId id="431" r:id="rId26"/>
   </p:sldIdLst>
   <p:sldSz cx="12192000" cy="6858000"/>
   <p:notesSz cx="6858000" cy="9144000"/>
@@ -220,7 +221,7 @@
           <a:p>
             <a:fld id="{3CBB8A52-8AC5-C74C-97FB-632C448F3674}" type="datetimeFigureOut">
               <a:rPr lang="en-US" smtClean="0"/>
-              <a:t>4/3/24</a:t>
+              <a:t>4/8/24</a:t>
             </a:fld>
             <a:endParaRPr lang="en-US"/>
           </a:p>
@@ -576,7 +577,7 @@
           <a:p>
             <a:fld id="{E666506D-5C9B-294C-B2AE-15ACE8B5B9F7}" type="slidenum">
               <a:rPr lang="en-US" smtClean="0"/>
-              <a:t>3</a:t>
+              <a:t>4</a:t>
             </a:fld>
             <a:endParaRPr lang="en-US"/>
           </a:p>
@@ -684,7 +685,7 @@
           <a:p>
             <a:fld id="{E666506D-5C9B-294C-B2AE-15ACE8B5B9F7}" type="slidenum">
               <a:rPr lang="en-US" smtClean="0"/>
-              <a:t>12</a:t>
+              <a:t>13</a:t>
             </a:fld>
             <a:endParaRPr lang="en-US"/>
           </a:p>
@@ -792,7 +793,7 @@
           <a:p>
             <a:fld id="{E666506D-5C9B-294C-B2AE-15ACE8B5B9F7}" type="slidenum">
               <a:rPr lang="en-US" smtClean="0"/>
-              <a:t>13</a:t>
+              <a:t>14</a:t>
             </a:fld>
             <a:endParaRPr lang="en-US"/>
           </a:p>
@@ -952,7 +953,7 @@
           <a:p>
             <a:fld id="{E666506D-5C9B-294C-B2AE-15ACE8B5B9F7}" type="slidenum">
               <a:rPr lang="en-US" smtClean="0"/>
-              <a:t>14</a:t>
+              <a:t>15</a:t>
             </a:fld>
             <a:endParaRPr lang="en-US"/>
           </a:p>
@@ -1060,7 +1061,7 @@
           <a:p>
             <a:fld id="{E666506D-5C9B-294C-B2AE-15ACE8B5B9F7}" type="slidenum">
               <a:rPr lang="en-US" smtClean="0"/>
-              <a:t>15</a:t>
+              <a:t>16</a:t>
             </a:fld>
             <a:endParaRPr lang="en-US"/>
           </a:p>
@@ -1168,7 +1169,7 @@
           <a:p>
             <a:fld id="{E666506D-5C9B-294C-B2AE-15ACE8B5B9F7}" type="slidenum">
               <a:rPr lang="en-US" smtClean="0"/>
-              <a:t>16</a:t>
+              <a:t>17</a:t>
             </a:fld>
             <a:endParaRPr lang="en-US"/>
           </a:p>
@@ -1276,7 +1277,7 @@
           <a:p>
             <a:fld id="{E666506D-5C9B-294C-B2AE-15ACE8B5B9F7}" type="slidenum">
               <a:rPr lang="en-US" smtClean="0"/>
-              <a:t>17</a:t>
+              <a:t>18</a:t>
             </a:fld>
             <a:endParaRPr lang="en-US"/>
           </a:p>
@@ -1384,7 +1385,7 @@
           <a:p>
             <a:fld id="{E666506D-5C9B-294C-B2AE-15ACE8B5B9F7}" type="slidenum">
               <a:rPr lang="en-US" smtClean="0"/>
-              <a:t>18</a:t>
+              <a:t>19</a:t>
             </a:fld>
             <a:endParaRPr lang="en-US"/>
           </a:p>
@@ -1492,7 +1493,7 @@
           <a:p>
             <a:fld id="{E666506D-5C9B-294C-B2AE-15ACE8B5B9F7}" type="slidenum">
               <a:rPr lang="en-US" smtClean="0"/>
-              <a:t>19</a:t>
+              <a:t>20</a:t>
             </a:fld>
             <a:endParaRPr lang="en-US"/>
           </a:p>
@@ -1600,7 +1601,7 @@
           <a:p>
             <a:fld id="{E666506D-5C9B-294C-B2AE-15ACE8B5B9F7}" type="slidenum">
               <a:rPr lang="en-US" smtClean="0"/>
-              <a:t>20</a:t>
+              <a:t>21</a:t>
             </a:fld>
             <a:endParaRPr lang="en-US"/>
           </a:p>
@@ -1708,7 +1709,7 @@
           <a:p>
             <a:fld id="{E666506D-5C9B-294C-B2AE-15ACE8B5B9F7}" type="slidenum">
               <a:rPr lang="en-US" smtClean="0"/>
-              <a:t>21</a:t>
+              <a:t>22</a:t>
             </a:fld>
             <a:endParaRPr lang="en-US"/>
           </a:p>
@@ -1816,7 +1817,7 @@
           <a:p>
             <a:fld id="{E666506D-5C9B-294C-B2AE-15ACE8B5B9F7}" type="slidenum">
               <a:rPr lang="en-US" smtClean="0"/>
-              <a:t>4</a:t>
+              <a:t>5</a:t>
             </a:fld>
             <a:endParaRPr lang="en-US"/>
           </a:p>
@@ -1924,7 +1925,7 @@
           <a:p>
             <a:fld id="{E666506D-5C9B-294C-B2AE-15ACE8B5B9F7}" type="slidenum">
               <a:rPr lang="en-US" smtClean="0"/>
-              <a:t>22</a:t>
+              <a:t>23</a:t>
             </a:fld>
             <a:endParaRPr lang="en-US"/>
           </a:p>
@@ -2032,7 +2033,7 @@
           <a:p>
             <a:fld id="{E666506D-5C9B-294C-B2AE-15ACE8B5B9F7}" type="slidenum">
               <a:rPr lang="en-US" smtClean="0"/>
-              <a:t>23</a:t>
+              <a:t>24</a:t>
             </a:fld>
             <a:endParaRPr lang="en-US"/>
           </a:p>
@@ -2140,7 +2141,7 @@
           <a:p>
             <a:fld id="{E666506D-5C9B-294C-B2AE-15ACE8B5B9F7}" type="slidenum">
               <a:rPr lang="en-US" smtClean="0"/>
-              <a:t>24</a:t>
+              <a:t>25</a:t>
             </a:fld>
             <a:endParaRPr lang="en-US"/>
           </a:p>
@@ -2248,7 +2249,7 @@
           <a:p>
             <a:fld id="{E666506D-5C9B-294C-B2AE-15ACE8B5B9F7}" type="slidenum">
               <a:rPr lang="en-US" smtClean="0"/>
-              <a:t>5</a:t>
+              <a:t>6</a:t>
             </a:fld>
             <a:endParaRPr lang="en-US"/>
           </a:p>
@@ -2356,7 +2357,7 @@
           <a:p>
             <a:fld id="{E666506D-5C9B-294C-B2AE-15ACE8B5B9F7}" type="slidenum">
               <a:rPr lang="en-US" smtClean="0"/>
-              <a:t>6</a:t>
+              <a:t>7</a:t>
             </a:fld>
             <a:endParaRPr lang="en-US"/>
           </a:p>
@@ -2516,7 +2517,7 @@
           <a:p>
             <a:fld id="{E666506D-5C9B-294C-B2AE-15ACE8B5B9F7}" type="slidenum">
               <a:rPr lang="en-US" smtClean="0"/>
-              <a:t>7</a:t>
+              <a:t>8</a:t>
             </a:fld>
             <a:endParaRPr lang="en-US"/>
           </a:p>
@@ -2676,7 +2677,7 @@
           <a:p>
             <a:fld id="{E666506D-5C9B-294C-B2AE-15ACE8B5B9F7}" type="slidenum">
               <a:rPr lang="en-US" smtClean="0"/>
-              <a:t>8</a:t>
+              <a:t>9</a:t>
             </a:fld>
             <a:endParaRPr lang="en-US"/>
           </a:p>
@@ -2836,7 +2837,7 @@
           <a:p>
             <a:fld id="{E666506D-5C9B-294C-B2AE-15ACE8B5B9F7}" type="slidenum">
               <a:rPr lang="en-US" smtClean="0"/>
-              <a:t>9</a:t>
+              <a:t>10</a:t>
             </a:fld>
             <a:endParaRPr lang="en-US"/>
           </a:p>
@@ -2944,7 +2945,7 @@
           <a:p>
             <a:fld id="{E666506D-5C9B-294C-B2AE-15ACE8B5B9F7}" type="slidenum">
               <a:rPr lang="en-US" smtClean="0"/>
-              <a:t>10</a:t>
+              <a:t>11</a:t>
             </a:fld>
             <a:endParaRPr lang="en-US"/>
           </a:p>
@@ -3052,7 +3053,7 @@
           <a:p>
             <a:fld id="{E666506D-5C9B-294C-B2AE-15ACE8B5B9F7}" type="slidenum">
               <a:rPr lang="en-US" smtClean="0"/>
-              <a:t>11</a:t>
+              <a:t>12</a:t>
             </a:fld>
             <a:endParaRPr lang="en-US"/>
           </a:p>
@@ -3296,7 +3297,7 @@
             <a:fld id="{5586B75A-687E-405C-8A0B-8D00578BA2C3}" type="datetimeFigureOut">
               <a:rPr lang="en-US" smtClean="0"/>
               <a:pPr/>
-              <a:t>4/3/24</a:t>
+              <a:t>4/8/24</a:t>
             </a:fld>
             <a:endParaRPr lang="en-US" dirty="0"/>
           </a:p>
@@ -3468,7 +3469,7 @@
             <a:fld id="{5586B75A-687E-405C-8A0B-8D00578BA2C3}" type="datetimeFigureOut">
               <a:rPr lang="en-US" smtClean="0"/>
               <a:pPr/>
-              <a:t>4/3/24</a:t>
+              <a:t>4/8/24</a:t>
             </a:fld>
             <a:endParaRPr lang="en-US" dirty="0"/>
           </a:p>
@@ -3650,7 +3651,7 @@
             <a:fld id="{5586B75A-687E-405C-8A0B-8D00578BA2C3}" type="datetimeFigureOut">
               <a:rPr lang="en-US" smtClean="0"/>
               <a:pPr/>
-              <a:t>4/3/24</a:t>
+              <a:t>4/8/24</a:t>
             </a:fld>
             <a:endParaRPr lang="en-US" dirty="0"/>
           </a:p>
@@ -3822,7 +3823,7 @@
             <a:fld id="{5586B75A-687E-405C-8A0B-8D00578BA2C3}" type="datetimeFigureOut">
               <a:rPr lang="en-US" smtClean="0"/>
               <a:pPr/>
-              <a:t>4/3/24</a:t>
+              <a:t>4/8/24</a:t>
             </a:fld>
             <a:endParaRPr lang="en-US" dirty="0"/>
           </a:p>
@@ -4078,7 +4079,7 @@
             <a:fld id="{5586B75A-687E-405C-8A0B-8D00578BA2C3}" type="datetimeFigureOut">
               <a:rPr lang="en-US" smtClean="0"/>
               <a:pPr/>
-              <a:t>4/3/24</a:t>
+              <a:t>4/8/24</a:t>
             </a:fld>
             <a:endParaRPr lang="en-US" dirty="0"/>
           </a:p>
@@ -4368,7 +4369,7 @@
             <a:fld id="{5586B75A-687E-405C-8A0B-8D00578BA2C3}" type="datetimeFigureOut">
               <a:rPr lang="en-US" smtClean="0"/>
               <a:pPr/>
-              <a:t>4/3/24</a:t>
+              <a:t>4/8/24</a:t>
             </a:fld>
             <a:endParaRPr lang="en-US" dirty="0"/>
           </a:p>
@@ -4812,7 +4813,7 @@
             <a:fld id="{5586B75A-687E-405C-8A0B-8D00578BA2C3}" type="datetimeFigureOut">
               <a:rPr lang="en-US" smtClean="0"/>
               <a:pPr/>
-              <a:t>4/3/24</a:t>
+              <a:t>4/8/24</a:t>
             </a:fld>
             <a:endParaRPr lang="en-US" dirty="0"/>
           </a:p>
@@ -4932,7 +4933,7 @@
             <a:fld id="{5586B75A-687E-405C-8A0B-8D00578BA2C3}" type="datetimeFigureOut">
               <a:rPr lang="en-US" smtClean="0"/>
               <a:pPr/>
-              <a:t>4/3/24</a:t>
+              <a:t>4/8/24</a:t>
             </a:fld>
             <a:endParaRPr lang="en-US" dirty="0"/>
           </a:p>
@@ -5029,7 +5030,7 @@
             <a:fld id="{5586B75A-687E-405C-8A0B-8D00578BA2C3}" type="datetimeFigureOut">
               <a:rPr lang="en-US" smtClean="0"/>
               <a:pPr/>
-              <a:t>4/3/24</a:t>
+              <a:t>4/8/24</a:t>
             </a:fld>
             <a:endParaRPr lang="en-US" dirty="0"/>
           </a:p>
@@ -5319,7 +5320,7 @@
             <a:fld id="{5586B75A-687E-405C-8A0B-8D00578BA2C3}" type="datetimeFigureOut">
               <a:rPr lang="en-US" smtClean="0"/>
               <a:pPr/>
-              <a:t>4/3/24</a:t>
+              <a:t>4/8/24</a:t>
             </a:fld>
             <a:endParaRPr lang="en-US" dirty="0"/>
           </a:p>
@@ -5594,7 +5595,7 @@
             <a:fld id="{5586B75A-687E-405C-8A0B-8D00578BA2C3}" type="datetimeFigureOut">
               <a:rPr lang="en-US" smtClean="0"/>
               <a:pPr/>
-              <a:t>4/3/24</a:t>
+              <a:t>4/8/24</a:t>
             </a:fld>
             <a:endParaRPr lang="en-US" dirty="0"/>
           </a:p>
@@ -5893,7 +5894,7 @@
             <a:fld id="{5586B75A-687E-405C-8A0B-8D00578BA2C3}" type="datetimeFigureOut">
               <a:rPr lang="en-US" smtClean="0"/>
               <a:pPr/>
-              <a:t>4/3/24</a:t>
+              <a:t>4/8/24</a:t>
             </a:fld>
             <a:endParaRPr lang="en-US" dirty="0"/>
           </a:p>
@@ -6539,6 +6540,146 @@
           <a:p>
             <a:r>
               <a:rPr lang="en-US" dirty="0"/>
+              <a:t>Inference for Dependent Means</a:t>
+            </a:r>
+          </a:p>
+        </p:txBody>
+      </p:sp>
+      <p:sp>
+        <p:nvSpPr>
+          <p:cNvPr id="2" name="TextBox 1">
+            <a:extLst>
+              <a:ext uri="{FF2B5EF4-FFF2-40B4-BE49-F238E27FC236}">
+                <a16:creationId xmlns:a16="http://schemas.microsoft.com/office/drawing/2014/main" id="{8D969975-513F-DB6C-92CE-5FE1EB582BDC}"/>
+              </a:ext>
+            </a:extLst>
+          </p:cNvPr>
+          <p:cNvSpPr txBox="1"/>
+          <p:nvPr/>
+        </p:nvSpPr>
+        <p:spPr>
+          <a:xfrm>
+            <a:off x="3481771" y="450923"/>
+            <a:ext cx="8457310" cy="4524315"/>
+          </a:xfrm>
+          <a:prstGeom prst="rect">
+            <a:avLst/>
+          </a:prstGeom>
+          <a:noFill/>
+        </p:spPr>
+        <p:txBody>
+          <a:bodyPr wrap="square" rtlCol="0">
+            <a:spAutoFit/>
+          </a:bodyPr>
+          <a:lstStyle/>
+          <a:p>
+            <a:r>
+              <a:rPr lang="en-US" sz="2400" dirty="0"/>
+              <a:t>So far, we have looked at inference for categorical variables, single means, and independent means. </a:t>
+            </a:r>
+          </a:p>
+          <a:p>
+            <a:endParaRPr lang="en-US" sz="2400" dirty="0"/>
+          </a:p>
+          <a:p>
+            <a:r>
+              <a:rPr lang="en-US" sz="2400" dirty="0"/>
+              <a:t>All of the tests we covered had the requirement that observations in the data are independent. </a:t>
+            </a:r>
+          </a:p>
+          <a:p>
+            <a:endParaRPr lang="en-US" sz="2400" dirty="0"/>
+          </a:p>
+          <a:p>
+            <a:r>
+              <a:rPr lang="en-US" sz="2400" dirty="0"/>
+              <a:t>But what if observations are not independent? </a:t>
+            </a:r>
+          </a:p>
+          <a:p>
+            <a:endParaRPr lang="en-US" sz="2400" dirty="0"/>
+          </a:p>
+          <a:p>
+            <a:r>
+              <a:rPr lang="en-US" sz="2400" dirty="0"/>
+              <a:t>Sometimes, dependency cannot be addresses through a statistical method. However, one specific type of dependency, </a:t>
+            </a:r>
+            <a:r>
+              <a:rPr lang="en-US" sz="2400" b="1" i="1" dirty="0"/>
+              <a:t>pairing</a:t>
+            </a:r>
+            <a:r>
+              <a:rPr lang="en-US" sz="2400" dirty="0"/>
+              <a:t>, can be with tools we already know. </a:t>
+            </a:r>
+          </a:p>
+          <a:p>
+            <a:endParaRPr lang="en-US" sz="2400" dirty="0"/>
+          </a:p>
+        </p:txBody>
+      </p:sp>
+    </p:spTree>
+    <p:extLst>
+      <p:ext uri="{BB962C8B-B14F-4D97-AF65-F5344CB8AC3E}">
+        <p14:creationId xmlns:p14="http://schemas.microsoft.com/office/powerpoint/2010/main" val="196480193"/>
+      </p:ext>
+    </p:extLst>
+  </p:cSld>
+  <p:clrMapOvr>
+    <a:masterClrMapping/>
+  </p:clrMapOvr>
+  <p:transition>
+    <p:cut/>
+  </p:transition>
+</p:sld>
+</file>
+
+<file path=ppt/slides/slide11.xml><?xml version="1.0" encoding="utf-8"?>
+<p:sld xmlns:a="http://schemas.openxmlformats.org/drawingml/2006/main" xmlns:r="http://schemas.openxmlformats.org/officeDocument/2006/relationships" xmlns:p="http://schemas.openxmlformats.org/presentationml/2006/main">
+  <p:cSld>
+    <p:spTree>
+      <p:nvGrpSpPr>
+        <p:cNvPr id="1" name="">
+          <a:extLst>
+            <a:ext uri="{FF2B5EF4-FFF2-40B4-BE49-F238E27FC236}">
+              <a16:creationId xmlns:a16="http://schemas.microsoft.com/office/drawing/2014/main" id="{51E8B79B-E8E6-9CBC-CFFE-FCF3DF3ACC0B}"/>
+            </a:ext>
+          </a:extLst>
+        </p:cNvPr>
+        <p:cNvGrpSpPr/>
+        <p:nvPr/>
+      </p:nvGrpSpPr>
+      <p:grpSpPr>
+        <a:xfrm>
+          <a:off x="0" y="0"/>
+          <a:ext cx="0" cy="0"/>
+          <a:chOff x="0" y="0"/>
+          <a:chExt cx="0" cy="0"/>
+        </a:xfrm>
+      </p:grpSpPr>
+      <p:sp>
+        <p:nvSpPr>
+          <p:cNvPr id="25" name="Title 24">
+            <a:extLst>
+              <a:ext uri="{FF2B5EF4-FFF2-40B4-BE49-F238E27FC236}">
+                <a16:creationId xmlns:a16="http://schemas.microsoft.com/office/drawing/2014/main" id="{F8453FC2-5BE9-D49A-A77C-346F0550F648}"/>
+              </a:ext>
+            </a:extLst>
+          </p:cNvPr>
+          <p:cNvSpPr>
+            <a:spLocks noGrp="1"/>
+          </p:cNvSpPr>
+          <p:nvPr>
+            <p:ph type="title"/>
+          </p:nvPr>
+        </p:nvSpPr>
+        <p:spPr/>
+        <p:txBody>
+          <a:bodyPr/>
+          <a:lstStyle/>
+          <a:p>
+            <a:r>
+              <a:rPr lang="en-US" dirty="0"/>
               <a:t>Paired Means</a:t>
             </a:r>
           </a:p>
@@ -6631,7 +6772,7 @@
 </p:sld>
 </file>
 
-<file path=ppt/slides/slide11.xml><?xml version="1.0" encoding="utf-8"?>
+<file path=ppt/slides/slide12.xml><?xml version="1.0" encoding="utf-8"?>
 <p:sld xmlns:a="http://schemas.openxmlformats.org/drawingml/2006/main" xmlns:r="http://schemas.openxmlformats.org/officeDocument/2006/relationships" xmlns:p="http://schemas.openxmlformats.org/presentationml/2006/main">
   <p:cSld>
     <p:spTree>
@@ -6959,7 +7100,7 @@
 </p:sld>
 </file>
 
-<file path=ppt/slides/slide12.xml><?xml version="1.0" encoding="utf-8"?>
+<file path=ppt/slides/slide13.xml><?xml version="1.0" encoding="utf-8"?>
 <p:sld xmlns:a="http://schemas.openxmlformats.org/drawingml/2006/main" xmlns:r="http://schemas.openxmlformats.org/officeDocument/2006/relationships" xmlns:p="http://schemas.openxmlformats.org/presentationml/2006/main">
   <p:cSld>
     <p:spTree>
@@ -7350,7 +7491,7 @@
 </p:sld>
 </file>
 
-<file path=ppt/slides/slide13.xml><?xml version="1.0" encoding="utf-8"?>
+<file path=ppt/slides/slide14.xml><?xml version="1.0" encoding="utf-8"?>
 <p:sld xmlns:a="http://schemas.openxmlformats.org/drawingml/2006/main" xmlns:r="http://schemas.openxmlformats.org/officeDocument/2006/relationships" xmlns:p="http://schemas.openxmlformats.org/presentationml/2006/main">
   <p:cSld>
     <p:spTree>
@@ -7821,7 +7962,7 @@
 </p:sld>
 </file>
 
-<file path=ppt/slides/slide14.xml><?xml version="1.0" encoding="utf-8"?>
+<file path=ppt/slides/slide15.xml><?xml version="1.0" encoding="utf-8"?>
 <p:sld xmlns:a="http://schemas.openxmlformats.org/drawingml/2006/main" xmlns:r="http://schemas.openxmlformats.org/officeDocument/2006/relationships" xmlns:p="http://schemas.openxmlformats.org/presentationml/2006/main">
   <p:cSld>
     <p:spTree>
@@ -8084,7 +8225,7 @@
 </p:sld>
 </file>
 
-<file path=ppt/slides/slide15.xml><?xml version="1.0" encoding="utf-8"?>
+<file path=ppt/slides/slide16.xml><?xml version="1.0" encoding="utf-8"?>
 <p:sld xmlns:a="http://schemas.openxmlformats.org/drawingml/2006/main" xmlns:r="http://schemas.openxmlformats.org/officeDocument/2006/relationships" xmlns:p="http://schemas.openxmlformats.org/presentationml/2006/main">
   <p:cSld>
     <p:spTree>
@@ -8586,7 +8727,7 @@
 </p:sld>
 </file>
 
-<file path=ppt/slides/slide16.xml><?xml version="1.0" encoding="utf-8"?>
+<file path=ppt/slides/slide17.xml><?xml version="1.0" encoding="utf-8"?>
 <p:sld xmlns:a="http://schemas.openxmlformats.org/drawingml/2006/main" xmlns:r="http://schemas.openxmlformats.org/officeDocument/2006/relationships" xmlns:p="http://schemas.openxmlformats.org/presentationml/2006/main">
   <p:cSld>
     <p:spTree>
@@ -9205,7 +9346,7 @@
 </p:sld>
 </file>
 
-<file path=ppt/slides/slide17.xml><?xml version="1.0" encoding="utf-8"?>
+<file path=ppt/slides/slide18.xml><?xml version="1.0" encoding="utf-8"?>
 <p:sld xmlns:a="http://schemas.openxmlformats.org/drawingml/2006/main" xmlns:r="http://schemas.openxmlformats.org/officeDocument/2006/relationships" xmlns:p="http://schemas.openxmlformats.org/presentationml/2006/main">
   <p:cSld>
     <p:spTree>
@@ -9651,7 +9792,7 @@
 </p:sld>
 </file>
 
-<file path=ppt/slides/slide18.xml><?xml version="1.0" encoding="utf-8"?>
+<file path=ppt/slides/slide19.xml><?xml version="1.0" encoding="utf-8"?>
 <p:sld xmlns:a="http://schemas.openxmlformats.org/drawingml/2006/main" xmlns:r="http://schemas.openxmlformats.org/officeDocument/2006/relationships" xmlns:p="http://schemas.openxmlformats.org/presentationml/2006/main">
   <p:cSld>
     <p:spTree>
@@ -10299,7 +10440,114 @@
 </p:sld>
 </file>
 
-<file path=ppt/slides/slide19.xml><?xml version="1.0" encoding="utf-8"?>
+<file path=ppt/slides/slide2.xml><?xml version="1.0" encoding="utf-8"?>
+<p:sld xmlns:a="http://schemas.openxmlformats.org/drawingml/2006/main" xmlns:r="http://schemas.openxmlformats.org/officeDocument/2006/relationships" xmlns:p="http://schemas.openxmlformats.org/presentationml/2006/main">
+  <p:cSld>
+    <p:spTree>
+      <p:nvGrpSpPr>
+        <p:cNvPr id="1" name=""/>
+        <p:cNvGrpSpPr/>
+        <p:nvPr/>
+      </p:nvGrpSpPr>
+      <p:grpSpPr>
+        <a:xfrm>
+          <a:off x="0" y="0"/>
+          <a:ext cx="0" cy="0"/>
+          <a:chOff x="0" y="0"/>
+          <a:chExt cx="0" cy="0"/>
+        </a:xfrm>
+      </p:grpSpPr>
+      <p:sp>
+        <p:nvSpPr>
+          <p:cNvPr id="2" name="Title 1">
+            <a:extLst>
+              <a:ext uri="{FF2B5EF4-FFF2-40B4-BE49-F238E27FC236}">
+                <a16:creationId xmlns:a16="http://schemas.microsoft.com/office/drawing/2014/main" id="{10D330C2-52A4-1ABA-980B-56FBC97F350C}"/>
+              </a:ext>
+            </a:extLst>
+          </p:cNvPr>
+          <p:cNvSpPr>
+            <a:spLocks noGrp="1"/>
+          </p:cNvSpPr>
+          <p:nvPr>
+            <p:ph type="title"/>
+          </p:nvPr>
+        </p:nvSpPr>
+        <p:spPr/>
+        <p:txBody>
+          <a:bodyPr/>
+          <a:lstStyle/>
+          <a:p>
+            <a:r>
+              <a:rPr lang="en-US" dirty="0"/>
+              <a:t>Plan for Today</a:t>
+            </a:r>
+          </a:p>
+        </p:txBody>
+      </p:sp>
+      <p:sp>
+        <p:nvSpPr>
+          <p:cNvPr id="3" name="Content Placeholder 2">
+            <a:extLst>
+              <a:ext uri="{FF2B5EF4-FFF2-40B4-BE49-F238E27FC236}">
+                <a16:creationId xmlns:a16="http://schemas.microsoft.com/office/drawing/2014/main" id="{9EAE50F6-429C-715A-C25C-1C7744AED1CF}"/>
+              </a:ext>
+            </a:extLst>
+          </p:cNvPr>
+          <p:cNvSpPr>
+            <a:spLocks noGrp="1"/>
+          </p:cNvSpPr>
+          <p:nvPr>
+            <p:ph idx="1"/>
+          </p:nvPr>
+        </p:nvSpPr>
+        <p:spPr/>
+        <p:txBody>
+          <a:bodyPr>
+            <a:normAutofit/>
+          </a:bodyPr>
+          <a:lstStyle/>
+          <a:p>
+            <a:r>
+              <a:rPr lang="en-US" sz="2400" dirty="0"/>
+              <a:t>Final project </a:t>
+            </a:r>
+          </a:p>
+          <a:p>
+            <a:r>
+              <a:rPr lang="en-US" sz="2400" dirty="0"/>
+              <a:t>Inference for numerical variables</a:t>
+            </a:r>
+          </a:p>
+          <a:p>
+            <a:pPr lvl="1"/>
+            <a:r>
+              <a:rPr lang="en-US" sz="2200" dirty="0"/>
+              <a:t>Paired means </a:t>
+            </a:r>
+          </a:p>
+          <a:p>
+            <a:r>
+              <a:rPr lang="en-US" sz="2400" dirty="0"/>
+              <a:t>Note: We will work on Quiz 5 in class on Thursday </a:t>
+            </a:r>
+          </a:p>
+        </p:txBody>
+      </p:sp>
+    </p:spTree>
+    <p:extLst>
+      <p:ext uri="{BB962C8B-B14F-4D97-AF65-F5344CB8AC3E}">
+        <p14:creationId xmlns:p14="http://schemas.microsoft.com/office/powerpoint/2010/main" val="1085546165"/>
+      </p:ext>
+    </p:extLst>
+  </p:cSld>
+  <p:clrMapOvr>
+    <a:masterClrMapping/>
+  </p:clrMapOvr>
+</p:sld>
+</file>
+
+<file path=ppt/slides/slide20.xml><?xml version="1.0" encoding="utf-8"?>
 <p:sld xmlns:a="http://schemas.openxmlformats.org/drawingml/2006/main" xmlns:r="http://schemas.openxmlformats.org/officeDocument/2006/relationships" xmlns:p="http://schemas.openxmlformats.org/presentationml/2006/main">
   <p:cSld>
     <p:spTree>
@@ -11012,102 +11260,7 @@
 </p:sld>
 </file>
 
-<file path=ppt/slides/slide2.xml><?xml version="1.0" encoding="utf-8"?>
-<p:sld xmlns:a="http://schemas.openxmlformats.org/drawingml/2006/main" xmlns:r="http://schemas.openxmlformats.org/officeDocument/2006/relationships" xmlns:p="http://schemas.openxmlformats.org/presentationml/2006/main">
-  <p:cSld>
-    <p:spTree>
-      <p:nvGrpSpPr>
-        <p:cNvPr id="1" name=""/>
-        <p:cNvGrpSpPr/>
-        <p:nvPr/>
-      </p:nvGrpSpPr>
-      <p:grpSpPr>
-        <a:xfrm>
-          <a:off x="0" y="0"/>
-          <a:ext cx="0" cy="0"/>
-          <a:chOff x="0" y="0"/>
-          <a:chExt cx="0" cy="0"/>
-        </a:xfrm>
-      </p:grpSpPr>
-      <p:sp>
-        <p:nvSpPr>
-          <p:cNvPr id="2" name="Title 1">
-            <a:extLst>
-              <a:ext uri="{FF2B5EF4-FFF2-40B4-BE49-F238E27FC236}">
-                <a16:creationId xmlns:a16="http://schemas.microsoft.com/office/drawing/2014/main" id="{10D330C2-52A4-1ABA-980B-56FBC97F350C}"/>
-              </a:ext>
-            </a:extLst>
-          </p:cNvPr>
-          <p:cNvSpPr>
-            <a:spLocks noGrp="1"/>
-          </p:cNvSpPr>
-          <p:nvPr>
-            <p:ph type="title"/>
-          </p:nvPr>
-        </p:nvSpPr>
-        <p:spPr/>
-        <p:txBody>
-          <a:bodyPr/>
-          <a:lstStyle/>
-          <a:p>
-            <a:r>
-              <a:rPr lang="en-US" dirty="0"/>
-              <a:t>Plan for Today</a:t>
-            </a:r>
-          </a:p>
-        </p:txBody>
-      </p:sp>
-      <p:sp>
-        <p:nvSpPr>
-          <p:cNvPr id="3" name="Content Placeholder 2">
-            <a:extLst>
-              <a:ext uri="{FF2B5EF4-FFF2-40B4-BE49-F238E27FC236}">
-                <a16:creationId xmlns:a16="http://schemas.microsoft.com/office/drawing/2014/main" id="{9EAE50F6-429C-715A-C25C-1C7744AED1CF}"/>
-              </a:ext>
-            </a:extLst>
-          </p:cNvPr>
-          <p:cNvSpPr>
-            <a:spLocks noGrp="1"/>
-          </p:cNvSpPr>
-          <p:nvPr>
-            <p:ph idx="1"/>
-          </p:nvPr>
-        </p:nvSpPr>
-        <p:spPr/>
-        <p:txBody>
-          <a:bodyPr>
-            <a:normAutofit/>
-          </a:bodyPr>
-          <a:lstStyle/>
-          <a:p>
-            <a:r>
-              <a:rPr lang="en-US" sz="2400" dirty="0"/>
-              <a:t>Inference for numerical variables</a:t>
-            </a:r>
-          </a:p>
-          <a:p>
-            <a:pPr lvl="1"/>
-            <a:r>
-              <a:rPr lang="en-US" sz="2200" dirty="0"/>
-              <a:t>Paired means </a:t>
-            </a:r>
-          </a:p>
-        </p:txBody>
-      </p:sp>
-    </p:spTree>
-    <p:extLst>
-      <p:ext uri="{BB962C8B-B14F-4D97-AF65-F5344CB8AC3E}">
-        <p14:creationId xmlns:p14="http://schemas.microsoft.com/office/powerpoint/2010/main" val="1085546165"/>
-      </p:ext>
-    </p:extLst>
-  </p:cSld>
-  <p:clrMapOvr>
-    <a:masterClrMapping/>
-  </p:clrMapOvr>
-</p:sld>
-</file>
-
-<file path=ppt/slides/slide20.xml><?xml version="1.0" encoding="utf-8"?>
+<file path=ppt/slides/slide21.xml><?xml version="1.0" encoding="utf-8"?>
 <p:sld xmlns:a="http://schemas.openxmlformats.org/drawingml/2006/main" xmlns:r="http://schemas.openxmlformats.org/officeDocument/2006/relationships" xmlns:p="http://schemas.openxmlformats.org/presentationml/2006/main">
   <p:cSld>
     <p:spTree>
@@ -11801,8 +11954,8 @@
           </p:sp>
         </mc:Fallback>
       </mc:AlternateContent>
-      <mc:AlternateContent xmlns:mc="http://schemas.openxmlformats.org/markup-compatibility/2006">
-        <mc:Choice xmlns:a14="http://schemas.microsoft.com/office/drawing/2010/main" Requires="a14">
+      <mc:AlternateContent xmlns:mc="http://schemas.openxmlformats.org/markup-compatibility/2006" xmlns:a14="http://schemas.microsoft.com/office/drawing/2010/main">
+        <mc:Choice Requires="a14">
           <p:sp>
             <p:nvSpPr>
               <p:cNvPr id="4" name="Rounded Rectangle 3">
@@ -11949,7 +12102,7 @@
             </p:txBody>
           </p:sp>
         </mc:Choice>
-        <mc:Fallback>
+        <mc:Fallback xmlns="">
           <p:sp>
             <p:nvSpPr>
               <p:cNvPr id="4" name="Rounded Rectangle 3">
@@ -12010,7 +12163,7 @@
 </p:sld>
 </file>
 
-<file path=ppt/slides/slide21.xml><?xml version="1.0" encoding="utf-8"?>
+<file path=ppt/slides/slide22.xml><?xml version="1.0" encoding="utf-8"?>
 <p:sld xmlns:a="http://schemas.openxmlformats.org/drawingml/2006/main" xmlns:r="http://schemas.openxmlformats.org/officeDocument/2006/relationships" xmlns:p="http://schemas.openxmlformats.org/presentationml/2006/main">
   <p:cSld>
     <p:spTree>
@@ -12407,7 +12560,7 @@
 </p:sld>
 </file>
 
-<file path=ppt/slides/slide22.xml><?xml version="1.0" encoding="utf-8"?>
+<file path=ppt/slides/slide23.xml><?xml version="1.0" encoding="utf-8"?>
 <p:sld xmlns:a="http://schemas.openxmlformats.org/drawingml/2006/main" xmlns:r="http://schemas.openxmlformats.org/officeDocument/2006/relationships" xmlns:p="http://schemas.openxmlformats.org/presentationml/2006/main">
   <p:cSld>
     <p:spTree>
@@ -12985,7 +13138,7 @@
 </p:sld>
 </file>
 
-<file path=ppt/slides/slide23.xml><?xml version="1.0" encoding="utf-8"?>
+<file path=ppt/slides/slide24.xml><?xml version="1.0" encoding="utf-8"?>
 <p:sld xmlns:a="http://schemas.openxmlformats.org/drawingml/2006/main" xmlns:r="http://schemas.openxmlformats.org/officeDocument/2006/relationships" xmlns:p="http://schemas.openxmlformats.org/presentationml/2006/main">
   <p:cSld>
     <p:spTree>
@@ -13547,8 +13700,8 @@
           </p:sp>
         </mc:Fallback>
       </mc:AlternateContent>
-      <mc:AlternateContent xmlns:mc="http://schemas.openxmlformats.org/markup-compatibility/2006">
-        <mc:Choice xmlns:a14="http://schemas.microsoft.com/office/drawing/2010/main" Requires="a14">
+      <mc:AlternateContent xmlns:mc="http://schemas.openxmlformats.org/markup-compatibility/2006" xmlns:a14="http://schemas.microsoft.com/office/drawing/2010/main">
+        <mc:Choice Requires="a14">
           <p:sp>
             <p:nvSpPr>
               <p:cNvPr id="3" name="Rounded Rectangle 2">
@@ -13776,7 +13929,7 @@
             </p:txBody>
           </p:sp>
         </mc:Choice>
-        <mc:Fallback>
+        <mc:Fallback xmlns="">
           <p:sp>
             <p:nvSpPr>
               <p:cNvPr id="3" name="Rounded Rectangle 2">
@@ -13837,7 +13990,7 @@
 </p:sld>
 </file>
 
-<file path=ppt/slides/slide24.xml><?xml version="1.0" encoding="utf-8"?>
+<file path=ppt/slides/slide25.xml><?xml version="1.0" encoding="utf-8"?>
 <p:sld xmlns:a="http://schemas.openxmlformats.org/drawingml/2006/main" xmlns:r="http://schemas.openxmlformats.org/officeDocument/2006/relationships" xmlns:p="http://schemas.openxmlformats.org/presentationml/2006/main">
   <p:cSld>
     <p:spTree>
@@ -13883,7 +14036,7 @@
           <a:p>
             <a:r>
               <a:rPr lang="en-US" dirty="0"/>
-              <a:t>In-Class Activity 3</a:t>
+              <a:t>Quiz 5</a:t>
             </a:r>
           </a:p>
         </p:txBody>
@@ -13902,8 +14055,8 @@
         </p:nvSpPr>
         <p:spPr>
           <a:xfrm>
-            <a:off x="3481772" y="893004"/>
-            <a:ext cx="8457309" cy="2677656"/>
+            <a:off x="3481772" y="278852"/>
+            <a:ext cx="8457309" cy="6370975"/>
           </a:xfrm>
           <a:prstGeom prst="rect">
             <a:avLst/>
@@ -13918,7 +14071,7 @@
           <a:p>
             <a:r>
               <a:rPr lang="en-US" sz="2400" dirty="0"/>
-              <a:t>Start on the next in class activity (ic03)</a:t>
+              <a:t>Open up Quiz 5 on PLATO </a:t>
             </a:r>
           </a:p>
           <a:p>
@@ -13927,7 +14080,7 @@
           <a:p>
             <a:r>
               <a:rPr lang="en-US" sz="2400" dirty="0"/>
-              <a:t>Instructions are on the course website. You will have the remainder of class today and all of next class to complete the activity. </a:t>
+              <a:t>Find a group to work with. Everyone in the group must participate (I will be checking). </a:t>
             </a:r>
           </a:p>
           <a:p>
@@ -13935,10 +14088,38 @@
           </a:p>
           <a:p>
             <a:r>
-              <a:rPr lang="en-US" sz="2400"/>
-              <a:t>Ask questions as they come up! </a:t>
+              <a:rPr lang="en-US" sz="2400" dirty="0"/>
+              <a:t>Go through the quiz; for each problem write down the problem and your work to solve it on paper (write your name on the paper, too!). </a:t>
             </a:r>
+            <a:r>
+              <a:rPr lang="en-US" sz="2400" b="1" dirty="0"/>
+              <a:t>At the end of class on Thursday, you will turn in the pages showing your work</a:t>
+            </a:r>
+            <a:r>
+              <a:rPr lang="en-US" sz="2400" dirty="0"/>
+              <a:t>.</a:t>
+            </a:r>
+          </a:p>
+          <a:p>
             <a:endParaRPr lang="en-US" sz="2400" dirty="0"/>
+          </a:p>
+          <a:p>
+            <a:r>
+              <a:rPr lang="en-US" sz="2400" dirty="0"/>
+              <a:t>Your grade on Quiz 5 will be updated based on what you turn in from class. In addition to answering the questions correctly, you will get credit for working with your group to solve the problems and asking questions.   </a:t>
+            </a:r>
+          </a:p>
+          <a:p>
+            <a:r>
+              <a:rPr lang="en-US" sz="2400" dirty="0"/>
+              <a:t> </a:t>
+            </a:r>
+          </a:p>
+          <a:p>
+            <a:r>
+              <a:rPr lang="en-US" sz="2400" dirty="0"/>
+              <a:t>I will come around to check-in, but also please get my attention if you have a question! </a:t>
+            </a:r>
           </a:p>
         </p:txBody>
       </p:sp>
@@ -13959,6 +14140,95 @@
 </file>
 
 <file path=ppt/slides/slide3.xml><?xml version="1.0" encoding="utf-8"?>
+<p:sld xmlns:a="http://schemas.openxmlformats.org/drawingml/2006/main" xmlns:r="http://schemas.openxmlformats.org/officeDocument/2006/relationships" xmlns:p="http://schemas.openxmlformats.org/presentationml/2006/main">
+  <p:cSld>
+    <p:spTree>
+      <p:nvGrpSpPr>
+        <p:cNvPr id="1" name=""/>
+        <p:cNvGrpSpPr/>
+        <p:nvPr/>
+      </p:nvGrpSpPr>
+      <p:grpSpPr>
+        <a:xfrm>
+          <a:off x="0" y="0"/>
+          <a:ext cx="0" cy="0"/>
+          <a:chOff x="0" y="0"/>
+          <a:chExt cx="0" cy="0"/>
+        </a:xfrm>
+      </p:grpSpPr>
+      <p:sp>
+        <p:nvSpPr>
+          <p:cNvPr id="2" name="Title 1">
+            <a:extLst>
+              <a:ext uri="{FF2B5EF4-FFF2-40B4-BE49-F238E27FC236}">
+                <a16:creationId xmlns:a16="http://schemas.microsoft.com/office/drawing/2014/main" id="{10D330C2-52A4-1ABA-980B-56FBC97F350C}"/>
+              </a:ext>
+            </a:extLst>
+          </p:cNvPr>
+          <p:cNvSpPr>
+            <a:spLocks noGrp="1"/>
+          </p:cNvSpPr>
+          <p:nvPr>
+            <p:ph type="title"/>
+          </p:nvPr>
+        </p:nvSpPr>
+        <p:spPr/>
+        <p:txBody>
+          <a:bodyPr/>
+          <a:lstStyle/>
+          <a:p>
+            <a:r>
+              <a:rPr lang="en-US" dirty="0"/>
+              <a:t>Final Project</a:t>
+            </a:r>
+          </a:p>
+        </p:txBody>
+      </p:sp>
+      <p:sp>
+        <p:nvSpPr>
+          <p:cNvPr id="3" name="Content Placeholder 2">
+            <a:extLst>
+              <a:ext uri="{FF2B5EF4-FFF2-40B4-BE49-F238E27FC236}">
+                <a16:creationId xmlns:a16="http://schemas.microsoft.com/office/drawing/2014/main" id="{9EAE50F6-429C-715A-C25C-1C7744AED1CF}"/>
+              </a:ext>
+            </a:extLst>
+          </p:cNvPr>
+          <p:cNvSpPr>
+            <a:spLocks noGrp="1"/>
+          </p:cNvSpPr>
+          <p:nvPr>
+            <p:ph idx="1"/>
+          </p:nvPr>
+        </p:nvSpPr>
+        <p:spPr/>
+        <p:txBody>
+          <a:bodyPr>
+            <a:normAutofit/>
+          </a:bodyPr>
+          <a:lstStyle/>
+          <a:p>
+            <a:r>
+              <a:rPr lang="en-US" sz="2400" dirty="0"/>
+              <a:t>Any questions?</a:t>
+            </a:r>
+            <a:endParaRPr lang="en-US" sz="2200" dirty="0"/>
+          </a:p>
+        </p:txBody>
+      </p:sp>
+    </p:spTree>
+    <p:extLst>
+      <p:ext uri="{BB962C8B-B14F-4D97-AF65-F5344CB8AC3E}">
+        <p14:creationId xmlns:p14="http://schemas.microsoft.com/office/powerpoint/2010/main" val="2592401419"/>
+      </p:ext>
+    </p:extLst>
+  </p:cSld>
+  <p:clrMapOvr>
+    <a:masterClrMapping/>
+  </p:clrMapOvr>
+</p:sld>
+</file>
+
+<file path=ppt/slides/slide4.xml><?xml version="1.0" encoding="utf-8"?>
 <p:sld xmlns:a="http://schemas.openxmlformats.org/drawingml/2006/main" xmlns:r="http://schemas.openxmlformats.org/officeDocument/2006/relationships" xmlns:p="http://schemas.openxmlformats.org/presentationml/2006/main">
   <p:cSld>
     <p:spTree>
@@ -14004,7 +14274,7 @@
           <a:p>
             <a:r>
               <a:rPr lang="en-US" dirty="0"/>
-              <a:t>Inference for Two Independent Means</a:t>
+              <a:t>Warm Up: Inference for Two Independent Means</a:t>
             </a:r>
           </a:p>
         </p:txBody>
@@ -14913,7 +15183,7 @@
 </p:sld>
 </file>
 
-<file path=ppt/slides/slide4.xml><?xml version="1.0" encoding="utf-8"?>
+<file path=ppt/slides/slide5.xml><?xml version="1.0" encoding="utf-8"?>
 <p:sld xmlns:a="http://schemas.openxmlformats.org/drawingml/2006/main" xmlns:r="http://schemas.openxmlformats.org/officeDocument/2006/relationships" xmlns:p="http://schemas.openxmlformats.org/presentationml/2006/main">
   <p:cSld>
     <p:spTree>
@@ -14959,7 +15229,7 @@
           <a:p>
             <a:r>
               <a:rPr lang="en-US" dirty="0"/>
-              <a:t>Inference for Two Independent Means</a:t>
+              <a:t>Warm Up: Inference for Two Independent Means</a:t>
             </a:r>
           </a:p>
         </p:txBody>
@@ -15852,8 +16122,8 @@
           </p:sp>
         </mc:Fallback>
       </mc:AlternateContent>
-      <mc:AlternateContent xmlns:mc="http://schemas.openxmlformats.org/markup-compatibility/2006">
-        <mc:Choice xmlns:a14="http://schemas.microsoft.com/office/drawing/2010/main" Requires="a14">
+      <mc:AlternateContent xmlns:mc="http://schemas.openxmlformats.org/markup-compatibility/2006" xmlns:a14="http://schemas.microsoft.com/office/drawing/2010/main">
+        <mc:Choice Requires="a14">
           <p:sp>
             <p:nvSpPr>
               <p:cNvPr id="3" name="Rounded Rectangle 2">
@@ -16099,7 +16369,7 @@
             </p:txBody>
           </p:sp>
         </mc:Choice>
-        <mc:Fallback>
+        <mc:Fallback xmlns="">
           <p:sp>
             <p:nvSpPr>
               <p:cNvPr id="3" name="Rounded Rectangle 2">
@@ -16160,7 +16430,7 @@
 </p:sld>
 </file>
 
-<file path=ppt/slides/slide5.xml><?xml version="1.0" encoding="utf-8"?>
+<file path=ppt/slides/slide6.xml><?xml version="1.0" encoding="utf-8"?>
 <p:sld xmlns:a="http://schemas.openxmlformats.org/drawingml/2006/main" xmlns:r="http://schemas.openxmlformats.org/officeDocument/2006/relationships" xmlns:p="http://schemas.openxmlformats.org/presentationml/2006/main">
   <p:cSld>
     <p:spTree>
@@ -16206,7 +16476,7 @@
           <a:p>
             <a:r>
               <a:rPr lang="en-US" dirty="0"/>
-              <a:t>Inference for Two Independent Means</a:t>
+              <a:t>Warm Up: Inference for Two Independent Means</a:t>
             </a:r>
           </a:p>
         </p:txBody>
@@ -16947,7 +17217,7 @@
 </p:sld>
 </file>
 
-<file path=ppt/slides/slide6.xml><?xml version="1.0" encoding="utf-8"?>
+<file path=ppt/slides/slide7.xml><?xml version="1.0" encoding="utf-8"?>
 <p:sld xmlns:a="http://schemas.openxmlformats.org/drawingml/2006/main" xmlns:r="http://schemas.openxmlformats.org/officeDocument/2006/relationships" xmlns:p="http://schemas.openxmlformats.org/presentationml/2006/main">
   <p:cSld>
     <p:spTree>
@@ -16993,7 +17263,7 @@
           <a:p>
             <a:r>
               <a:rPr lang="en-US" dirty="0"/>
-              <a:t>Inference for Two Independent Means</a:t>
+              <a:t>Warm Up: Inference for Two Independent Means</a:t>
             </a:r>
           </a:p>
         </p:txBody>
@@ -17718,8 +17988,8 @@
           </p:sp>
         </mc:Fallback>
       </mc:AlternateContent>
-      <mc:AlternateContent xmlns:mc="http://schemas.openxmlformats.org/markup-compatibility/2006">
-        <mc:Choice xmlns:a14="http://schemas.microsoft.com/office/drawing/2010/main" Requires="a14">
+      <mc:AlternateContent xmlns:mc="http://schemas.openxmlformats.org/markup-compatibility/2006" xmlns:a14="http://schemas.microsoft.com/office/drawing/2010/main">
+        <mc:Choice Requires="a14">
           <p:sp>
             <p:nvSpPr>
               <p:cNvPr id="3" name="Rounded Rectangle 2">
@@ -18030,7 +18300,7 @@
             </p:txBody>
           </p:sp>
         </mc:Choice>
-        <mc:Fallback>
+        <mc:Fallback xmlns="">
           <p:sp>
             <p:nvSpPr>
               <p:cNvPr id="3" name="Rounded Rectangle 2">
@@ -18091,123 +18361,6 @@
 </p:sld>
 </file>
 
-<file path=ppt/slides/slide7.xml><?xml version="1.0" encoding="utf-8"?>
-<p:sld xmlns:a="http://schemas.openxmlformats.org/drawingml/2006/main" xmlns:r="http://schemas.openxmlformats.org/officeDocument/2006/relationships" xmlns:p="http://schemas.openxmlformats.org/presentationml/2006/main">
-  <p:cSld>
-    <p:spTree>
-      <p:nvGrpSpPr>
-        <p:cNvPr id="1" name="">
-          <a:extLst>
-            <a:ext uri="{FF2B5EF4-FFF2-40B4-BE49-F238E27FC236}">
-              <a16:creationId xmlns:a16="http://schemas.microsoft.com/office/drawing/2014/main" id="{51E8B79B-E8E6-9CBC-CFFE-FCF3DF3ACC0B}"/>
-            </a:ext>
-          </a:extLst>
-        </p:cNvPr>
-        <p:cNvGrpSpPr/>
-        <p:nvPr/>
-      </p:nvGrpSpPr>
-      <p:grpSpPr>
-        <a:xfrm>
-          <a:off x="0" y="0"/>
-          <a:ext cx="0" cy="0"/>
-          <a:chOff x="0" y="0"/>
-          <a:chExt cx="0" cy="0"/>
-        </a:xfrm>
-      </p:grpSpPr>
-      <p:sp>
-        <p:nvSpPr>
-          <p:cNvPr id="25" name="Title 24">
-            <a:extLst>
-              <a:ext uri="{FF2B5EF4-FFF2-40B4-BE49-F238E27FC236}">
-                <a16:creationId xmlns:a16="http://schemas.microsoft.com/office/drawing/2014/main" id="{F8453FC2-5BE9-D49A-A77C-346F0550F648}"/>
-              </a:ext>
-            </a:extLst>
-          </p:cNvPr>
-          <p:cNvSpPr>
-            <a:spLocks noGrp="1"/>
-          </p:cNvSpPr>
-          <p:nvPr>
-            <p:ph type="title"/>
-          </p:nvPr>
-        </p:nvSpPr>
-        <p:spPr/>
-        <p:txBody>
-          <a:bodyPr/>
-          <a:lstStyle/>
-          <a:p>
-            <a:r>
-              <a:rPr lang="en-US" dirty="0"/>
-              <a:t>Inference for Dependent Means</a:t>
-            </a:r>
-          </a:p>
-        </p:txBody>
-      </p:sp>
-      <p:sp>
-        <p:nvSpPr>
-          <p:cNvPr id="2" name="TextBox 1">
-            <a:extLst>
-              <a:ext uri="{FF2B5EF4-FFF2-40B4-BE49-F238E27FC236}">
-                <a16:creationId xmlns:a16="http://schemas.microsoft.com/office/drawing/2014/main" id="{8D969975-513F-DB6C-92CE-5FE1EB582BDC}"/>
-              </a:ext>
-            </a:extLst>
-          </p:cNvPr>
-          <p:cNvSpPr txBox="1"/>
-          <p:nvPr/>
-        </p:nvSpPr>
-        <p:spPr>
-          <a:xfrm>
-            <a:off x="3481771" y="450923"/>
-            <a:ext cx="8457310" cy="2677656"/>
-          </a:xfrm>
-          <a:prstGeom prst="rect">
-            <a:avLst/>
-          </a:prstGeom>
-          <a:noFill/>
-        </p:spPr>
-        <p:txBody>
-          <a:bodyPr wrap="square" rtlCol="0">
-            <a:spAutoFit/>
-          </a:bodyPr>
-          <a:lstStyle/>
-          <a:p>
-            <a:r>
-              <a:rPr lang="en-US" sz="2400" dirty="0"/>
-              <a:t>So far, we have looked at inference for categorical variables, single means, and independent means. </a:t>
-            </a:r>
-          </a:p>
-          <a:p>
-            <a:endParaRPr lang="en-US" sz="2400" dirty="0"/>
-          </a:p>
-          <a:p>
-            <a:r>
-              <a:rPr lang="en-US" sz="2400" dirty="0"/>
-              <a:t>All of the tests we covered had the requirement that observations in the data are independent. </a:t>
-            </a:r>
-          </a:p>
-          <a:p>
-            <a:endParaRPr lang="en-US" sz="2400" dirty="0"/>
-          </a:p>
-          <a:p>
-            <a:endParaRPr lang="en-US" sz="2400" dirty="0"/>
-          </a:p>
-        </p:txBody>
-      </p:sp>
-    </p:spTree>
-    <p:extLst>
-      <p:ext uri="{BB962C8B-B14F-4D97-AF65-F5344CB8AC3E}">
-        <p14:creationId xmlns:p14="http://schemas.microsoft.com/office/powerpoint/2010/main" val="1664139599"/>
-      </p:ext>
-    </p:extLst>
-  </p:cSld>
-  <p:clrMapOvr>
-    <a:masterClrMapping/>
-  </p:clrMapOvr>
-  <p:transition>
-    <p:cut/>
-  </p:transition>
-</p:sld>
-</file>
-
 <file path=ppt/slides/slide8.xml><?xml version="1.0" encoding="utf-8"?>
 <p:sld xmlns:a="http://schemas.openxmlformats.org/drawingml/2006/main" xmlns:r="http://schemas.openxmlformats.org/officeDocument/2006/relationships" xmlns:p="http://schemas.openxmlformats.org/presentationml/2006/main">
   <p:cSld>
@@ -18274,7 +18427,7 @@
         <p:spPr>
           <a:xfrm>
             <a:off x="3481771" y="450923"/>
-            <a:ext cx="8457310" cy="3046988"/>
+            <a:ext cx="8457310" cy="2677656"/>
           </a:xfrm>
           <a:prstGeom prst="rect">
             <a:avLst/>
@@ -18305,12 +18458,6 @@
             <a:endParaRPr lang="en-US" sz="2400" dirty="0"/>
           </a:p>
           <a:p>
-            <a:r>
-              <a:rPr lang="en-US" sz="2400" dirty="0"/>
-              <a:t>But what if observations are not independent? </a:t>
-            </a:r>
-          </a:p>
-          <a:p>
             <a:endParaRPr lang="en-US" sz="2400" dirty="0"/>
           </a:p>
         </p:txBody>
@@ -18318,7 +18465,7 @@
     </p:spTree>
     <p:extLst>
       <p:ext uri="{BB962C8B-B14F-4D97-AF65-F5344CB8AC3E}">
-        <p14:creationId xmlns:p14="http://schemas.microsoft.com/office/powerpoint/2010/main" val="3502573919"/>
+        <p14:creationId xmlns:p14="http://schemas.microsoft.com/office/powerpoint/2010/main" val="1664139599"/>
       </p:ext>
     </p:extLst>
   </p:cSld>
@@ -18397,7 +18544,7 @@
         <p:spPr>
           <a:xfrm>
             <a:off x="3481771" y="450923"/>
-            <a:ext cx="8457310" cy="4524315"/>
+            <a:ext cx="8457310" cy="3046988"/>
           </a:xfrm>
           <a:prstGeom prst="rect">
             <a:avLst/>
@@ -18436,29 +18583,12 @@
           <a:p>
             <a:endParaRPr lang="en-US" sz="2400" dirty="0"/>
           </a:p>
-          <a:p>
-            <a:r>
-              <a:rPr lang="en-US" sz="2400" dirty="0"/>
-              <a:t>Sometimes, dependency cannot be addresses through a statistical method. However, one specific type of dependency, </a:t>
-            </a:r>
-            <a:r>
-              <a:rPr lang="en-US" sz="2400" b="1" i="1" dirty="0"/>
-              <a:t>pairing</a:t>
-            </a:r>
-            <a:r>
-              <a:rPr lang="en-US" sz="2400" dirty="0"/>
-              <a:t>, can be with tools we already know. </a:t>
-            </a:r>
-          </a:p>
-          <a:p>
-            <a:endParaRPr lang="en-US" sz="2400" dirty="0"/>
-          </a:p>
         </p:txBody>
       </p:sp>
     </p:spTree>
     <p:extLst>
       <p:ext uri="{BB962C8B-B14F-4D97-AF65-F5344CB8AC3E}">
-        <p14:creationId xmlns:p14="http://schemas.microsoft.com/office/powerpoint/2010/main" val="196480193"/>
+        <p14:creationId xmlns:p14="http://schemas.microsoft.com/office/powerpoint/2010/main" val="3502573919"/>
       </p:ext>
     </p:extLst>
   </p:cSld>

--- a/slides/14-numerical-inference-pt2.pptx
+++ b/slides/14-numerical-inference-pt2.pptx
@@ -221,7 +221,7 @@
           <a:p>
             <a:fld id="{3CBB8A52-8AC5-C74C-97FB-632C448F3674}" type="datetimeFigureOut">
               <a:rPr lang="en-US" smtClean="0"/>
-              <a:t>4/8/24</a:t>
+              <a:t>4/9/24</a:t>
             </a:fld>
             <a:endParaRPr lang="en-US"/>
           </a:p>
@@ -1574,7 +1574,10 @@
           <a:bodyPr/>
           <a:lstStyle/>
           <a:p>
-            <a:endParaRPr lang="en-US" dirty="0"/>
+            <a:r>
+              <a:rPr lang="en-US" dirty="0"/>
+              <a:t>t* = 1.98 </a:t>
+            </a:r>
           </a:p>
         </p:txBody>
       </p:sp>
@@ -3297,7 +3300,7 @@
             <a:fld id="{5586B75A-687E-405C-8A0B-8D00578BA2C3}" type="datetimeFigureOut">
               <a:rPr lang="en-US" smtClean="0"/>
               <a:pPr/>
-              <a:t>4/8/24</a:t>
+              <a:t>4/9/24</a:t>
             </a:fld>
             <a:endParaRPr lang="en-US" dirty="0"/>
           </a:p>
@@ -3469,7 +3472,7 @@
             <a:fld id="{5586B75A-687E-405C-8A0B-8D00578BA2C3}" type="datetimeFigureOut">
               <a:rPr lang="en-US" smtClean="0"/>
               <a:pPr/>
-              <a:t>4/8/24</a:t>
+              <a:t>4/9/24</a:t>
             </a:fld>
             <a:endParaRPr lang="en-US" dirty="0"/>
           </a:p>
@@ -3651,7 +3654,7 @@
             <a:fld id="{5586B75A-687E-405C-8A0B-8D00578BA2C3}" type="datetimeFigureOut">
               <a:rPr lang="en-US" smtClean="0"/>
               <a:pPr/>
-              <a:t>4/8/24</a:t>
+              <a:t>4/9/24</a:t>
             </a:fld>
             <a:endParaRPr lang="en-US" dirty="0"/>
           </a:p>
@@ -3823,7 +3826,7 @@
             <a:fld id="{5586B75A-687E-405C-8A0B-8D00578BA2C3}" type="datetimeFigureOut">
               <a:rPr lang="en-US" smtClean="0"/>
               <a:pPr/>
-              <a:t>4/8/24</a:t>
+              <a:t>4/9/24</a:t>
             </a:fld>
             <a:endParaRPr lang="en-US" dirty="0"/>
           </a:p>
@@ -4079,7 +4082,7 @@
             <a:fld id="{5586B75A-687E-405C-8A0B-8D00578BA2C3}" type="datetimeFigureOut">
               <a:rPr lang="en-US" smtClean="0"/>
               <a:pPr/>
-              <a:t>4/8/24</a:t>
+              <a:t>4/9/24</a:t>
             </a:fld>
             <a:endParaRPr lang="en-US" dirty="0"/>
           </a:p>
@@ -4369,7 +4372,7 @@
             <a:fld id="{5586B75A-687E-405C-8A0B-8D00578BA2C3}" type="datetimeFigureOut">
               <a:rPr lang="en-US" smtClean="0"/>
               <a:pPr/>
-              <a:t>4/8/24</a:t>
+              <a:t>4/9/24</a:t>
             </a:fld>
             <a:endParaRPr lang="en-US" dirty="0"/>
           </a:p>
@@ -4813,7 +4816,7 @@
             <a:fld id="{5586B75A-687E-405C-8A0B-8D00578BA2C3}" type="datetimeFigureOut">
               <a:rPr lang="en-US" smtClean="0"/>
               <a:pPr/>
-              <a:t>4/8/24</a:t>
+              <a:t>4/9/24</a:t>
             </a:fld>
             <a:endParaRPr lang="en-US" dirty="0"/>
           </a:p>
@@ -4933,7 +4936,7 @@
             <a:fld id="{5586B75A-687E-405C-8A0B-8D00578BA2C3}" type="datetimeFigureOut">
               <a:rPr lang="en-US" smtClean="0"/>
               <a:pPr/>
-              <a:t>4/8/24</a:t>
+              <a:t>4/9/24</a:t>
             </a:fld>
             <a:endParaRPr lang="en-US" dirty="0"/>
           </a:p>
@@ -5030,7 +5033,7 @@
             <a:fld id="{5586B75A-687E-405C-8A0B-8D00578BA2C3}" type="datetimeFigureOut">
               <a:rPr lang="en-US" smtClean="0"/>
               <a:pPr/>
-              <a:t>4/8/24</a:t>
+              <a:t>4/9/24</a:t>
             </a:fld>
             <a:endParaRPr lang="en-US" dirty="0"/>
           </a:p>
@@ -5320,7 +5323,7 @@
             <a:fld id="{5586B75A-687E-405C-8A0B-8D00578BA2C3}" type="datetimeFigureOut">
               <a:rPr lang="en-US" smtClean="0"/>
               <a:pPr/>
-              <a:t>4/8/24</a:t>
+              <a:t>4/9/24</a:t>
             </a:fld>
             <a:endParaRPr lang="en-US" dirty="0"/>
           </a:p>
@@ -5595,7 +5598,7 @@
             <a:fld id="{5586B75A-687E-405C-8A0B-8D00578BA2C3}" type="datetimeFigureOut">
               <a:rPr lang="en-US" smtClean="0"/>
               <a:pPr/>
-              <a:t>4/8/24</a:t>
+              <a:t>4/9/24</a:t>
             </a:fld>
             <a:endParaRPr lang="en-US" dirty="0"/>
           </a:p>
@@ -5894,7 +5897,7 @@
             <a:fld id="{5586B75A-687E-405C-8A0B-8D00578BA2C3}" type="datetimeFigureOut">
               <a:rPr lang="en-US" smtClean="0"/>
               <a:pPr/>
-              <a:t>4/8/24</a:t>
+              <a:t>4/9/24</a:t>
             </a:fld>
             <a:endParaRPr lang="en-US" dirty="0"/>
           </a:p>
@@ -10598,8 +10601,8 @@
           </a:p>
         </p:txBody>
       </p:sp>
-      <mc:AlternateContent xmlns:mc="http://schemas.openxmlformats.org/markup-compatibility/2006" xmlns:a14="http://schemas.microsoft.com/office/drawing/2010/main">
-        <mc:Choice Requires="a14">
+      <mc:AlternateContent xmlns:mc="http://schemas.openxmlformats.org/markup-compatibility/2006">
+        <mc:Choice xmlns:a14="http://schemas.microsoft.com/office/drawing/2010/main" Requires="a14">
           <p:sp>
             <p:nvSpPr>
               <p:cNvPr id="2" name="TextBox 1">
@@ -10615,7 +10618,7 @@
             <p:spPr>
               <a:xfrm>
                 <a:off x="3481771" y="276950"/>
-                <a:ext cx="8457309" cy="5477846"/>
+                <a:ext cx="8457309" cy="5097036"/>
               </a:xfrm>
               <a:prstGeom prst="rect">
                 <a:avLst/>
@@ -11168,21 +11171,13 @@
                 </a14:m>
                 <a:r>
                   <a:rPr lang="en-US" sz="2400" dirty="0"/>
-                  <a:t> is calculated from a specified percentile on the t-distribution with </a:t>
-                </a:r>
-                <a:r>
-                  <a:rPr lang="en-US" sz="2400" dirty="0" err="1"/>
-                  <a:t>df</a:t>
-                </a:r>
-                <a:r>
-                  <a:rPr lang="en-US" sz="2400" dirty="0"/>
-                  <a:t>. </a:t>
+                  <a:t> is calculated from a specified percentile on the t-distribution</a:t>
                 </a:r>
               </a:p>
               <a:p>
                 <a:r>
                   <a:rPr lang="en-US" sz="2400" dirty="0"/>
-                  <a:t>	Ex. 5</a:t>
+                  <a:t>	Ex. 2.5</a:t>
                 </a:r>
                 <a:r>
                   <a:rPr lang="en-US" sz="2400" baseline="30000" dirty="0"/>
@@ -11190,7 +11185,7 @@
                 </a:r>
                 <a:r>
                   <a:rPr lang="en-US" sz="2400" dirty="0"/>
-                  <a:t> percentile of a for a 95% confidence</a:t>
+                  <a:t> percentile of a for 95% confidence </a:t>
                 </a:r>
               </a:p>
               <a:p>
@@ -11199,7 +11194,7 @@
             </p:txBody>
           </p:sp>
         </mc:Choice>
-        <mc:Fallback xmlns="">
+        <mc:Fallback>
           <p:sp>
             <p:nvSpPr>
               <p:cNvPr id="2" name="TextBox 1">
@@ -11217,7 +11212,7 @@
             <p:spPr>
               <a:xfrm>
                 <a:off x="3481771" y="276950"/>
-                <a:ext cx="8457309" cy="5477846"/>
+                <a:ext cx="8457309" cy="5097036"/>
               </a:xfrm>
               <a:prstGeom prst="rect">
                 <a:avLst/>
@@ -11225,7 +11220,7 @@
               <a:blipFill>
                 <a:blip r:embed="rId3"/>
                 <a:stretch>
-                  <a:fillRect l="-1199" t="-924" r="-2099"/>
+                  <a:fillRect l="-1199" t="-993" r="-2099"/>
                 </a:stretch>
               </a:blipFill>
             </p:spPr>
@@ -11311,8 +11306,8 @@
           </a:p>
         </p:txBody>
       </p:sp>
-      <mc:AlternateContent xmlns:mc="http://schemas.openxmlformats.org/markup-compatibility/2006" xmlns:a14="http://schemas.microsoft.com/office/drawing/2010/main">
-        <mc:Choice Requires="a14">
+      <mc:AlternateContent xmlns:mc="http://schemas.openxmlformats.org/markup-compatibility/2006">
+        <mc:Choice xmlns:a14="http://schemas.microsoft.com/office/drawing/2010/main" Requires="a14">
           <p:sp>
             <p:nvSpPr>
               <p:cNvPr id="2" name="TextBox 1">
@@ -11328,7 +11323,7 @@
             <p:spPr>
               <a:xfrm>
                 <a:off x="3481771" y="276950"/>
-                <a:ext cx="8457309" cy="5108514"/>
+                <a:ext cx="8457309" cy="4727704"/>
               </a:xfrm>
               <a:prstGeom prst="rect">
                 <a:avLst/>
@@ -11881,21 +11876,7 @@
                 </a14:m>
                 <a:r>
                   <a:rPr lang="en-US" sz="2400" dirty="0"/>
-                  <a:t> is calculated from a specified percentile on the t-distribution with </a:t>
-                </a:r>
-                <a:r>
-                  <a:rPr lang="en-US" sz="2400" dirty="0" err="1"/>
-                  <a:t>df</a:t>
-                </a:r>
-                <a:r>
-                  <a:rPr lang="en-US" sz="2400" dirty="0"/>
-                  <a:t>. </a:t>
-                </a:r>
-              </a:p>
-              <a:p>
-                <a:r>
-                  <a:rPr lang="en-US" sz="2400" dirty="0"/>
-                  <a:t>	Ex. 5</a:t>
+                  <a:t> is calculated from a specified percentile on the t-distribution 	Ex. 2.5</a:t>
                 </a:r>
                 <a:r>
                   <a:rPr lang="en-US" sz="2400" baseline="30000" dirty="0"/>
@@ -11903,13 +11884,13 @@
                 </a:r>
                 <a:r>
                   <a:rPr lang="en-US" sz="2400" dirty="0"/>
-                  <a:t> percentile of a for a 95% confidence</a:t>
+                  <a:t> percentile of a for 95% confidence</a:t>
                 </a:r>
               </a:p>
             </p:txBody>
           </p:sp>
         </mc:Choice>
-        <mc:Fallback xmlns="">
+        <mc:Fallback>
           <p:sp>
             <p:nvSpPr>
               <p:cNvPr id="2" name="TextBox 1">
@@ -11927,7 +11908,7 @@
             <p:spPr>
               <a:xfrm>
                 <a:off x="3481771" y="276950"/>
-                <a:ext cx="8457309" cy="5108514"/>
+                <a:ext cx="8457309" cy="4727704"/>
               </a:xfrm>
               <a:prstGeom prst="rect">
                 <a:avLst/>
@@ -11935,7 +11916,7 @@
               <a:blipFill>
                 <a:blip r:embed="rId3"/>
                 <a:stretch>
-                  <a:fillRect l="-1199" t="-993" r="-2099" b="-1737"/>
+                  <a:fillRect l="-1199" t="-1070" r="-2099" b="-1872"/>
                 </a:stretch>
               </a:blipFill>
             </p:spPr>
@@ -14210,6 +14191,20 @@
             <a:r>
               <a:rPr lang="en-US" sz="2400" dirty="0"/>
               <a:t>Any questions?</a:t>
+            </a:r>
+          </a:p>
+          <a:p>
+            <a:r>
+              <a:rPr lang="en-US" sz="2400" dirty="0"/>
+              <a:t>Reminder: Your proposal is </a:t>
+            </a:r>
+            <a:r>
+              <a:rPr lang="en-US" sz="2400" b="1" i="1" dirty="0"/>
+              <a:t>due before class </a:t>
+            </a:r>
+            <a:r>
+              <a:rPr lang="en-US" sz="2400" dirty="0"/>
+              <a:t>on Thursday </a:t>
             </a:r>
             <a:endParaRPr lang="en-US" sz="2200" dirty="0"/>
           </a:p>
